--- a/posterFMRI.pptx
+++ b/posterFMRI.pptx
@@ -139,7 +139,7 @@
   </p:defaultTextStyle>
   <p:extLst>
     <p:ext uri="{EFAFB233-063F-42B5-8137-9DF3F51BA10A}">
-      <p15:sldGuideLst xmlns:p15="http://schemas.microsoft.com/office/powerpoint/2012/main" xmlns="">
+      <p15:sldGuideLst xmlns:p15="http://schemas.microsoft.com/office/powerpoint/2012/main">
         <p15:guide id="1" orient="horz" pos="9216" userDrawn="1">
           <p15:clr>
             <a:srgbClr val="A4A3A4"/>
@@ -153,7 +153,7 @@
       </p15:sldGuideLst>
     </p:ext>
     <p:ext uri="{2D200454-40CA-4A62-9FC3-DE9A4176ACB9}">
-      <p15:notesGuideLst xmlns:p15="http://schemas.microsoft.com/office/powerpoint/2012/main" xmlns=""/>
+      <p15:notesGuideLst xmlns:p15="http://schemas.microsoft.com/office/powerpoint/2012/main"/>
     </p:ext>
   </p:extLst>
 </p:presentation>
@@ -253,7 +253,7 @@
             <a:fld id="{B4862F1A-3685-B948-98E7-08823BA71FE2}" type="datetime1">
               <a:rPr lang="el-GR"/>
               <a:pPr/>
-              <a:t>12/6/15</a:t>
+              <a:t>6/12/2015</a:t>
             </a:fld>
             <a:endParaRPr lang="el-GR"/>
           </a:p>
@@ -771,7 +771,7 @@
             <a:fld id="{2E6CE7CD-F68D-CB4F-B04D-F08E5924DCF3}" type="datetime1">
               <a:rPr lang="en-US" smtClean="0"/>
               <a:pPr/>
-              <a:t>12/6/15</a:t>
+              <a:t>12/6/2015</a:t>
             </a:fld>
             <a:endParaRPr lang="en-US" dirty="0"/>
           </a:p>
@@ -1229,7 +1229,7 @@
             <a:fld id="{2E6CE7CD-F68D-CB4F-B04D-F08E5924DCF3}" type="datetime1">
               <a:rPr lang="en-US" smtClean="0"/>
               <a:pPr/>
-              <a:t>12/6/15</a:t>
+              <a:t>12/6/2015</a:t>
             </a:fld>
             <a:endParaRPr lang="en-US" dirty="0"/>
           </a:p>
@@ -1777,7 +1777,7 @@
             <a:fld id="{2E6CE7CD-F68D-CB4F-B04D-F08E5924DCF3}" type="datetime1">
               <a:rPr lang="en-US" smtClean="0"/>
               <a:pPr/>
-              <a:t>12/6/15</a:t>
+              <a:t>12/6/2015</a:t>
             </a:fld>
             <a:endParaRPr lang="en-US" dirty="0"/>
           </a:p>
@@ -1918,7 +1918,7 @@
             <a:fld id="{2E6CE7CD-F68D-CB4F-B04D-F08E5924DCF3}" type="datetime1">
               <a:rPr lang="en-US" smtClean="0"/>
               <a:pPr/>
-              <a:t>12/6/15</a:t>
+              <a:t>12/6/2015</a:t>
             </a:fld>
             <a:endParaRPr lang="en-US" dirty="0"/>
           </a:p>
@@ -2261,7 +2261,7 @@
             <a:fld id="{2E6CE7CD-F68D-CB4F-B04D-F08E5924DCF3}" type="datetime1">
               <a:rPr lang="en-US" smtClean="0"/>
               <a:pPr/>
-              <a:t>12/6/15</a:t>
+              <a:t>12/6/2015</a:t>
             </a:fld>
             <a:endParaRPr lang="en-US" dirty="0"/>
           </a:p>
@@ -2591,7 +2591,7 @@
             <a:fld id="{2E6CE7CD-F68D-CB4F-B04D-F08E5924DCF3}" type="datetime1">
               <a:rPr lang="en-US" smtClean="0"/>
               <a:pPr/>
-              <a:t>12/6/15</a:t>
+              <a:t>12/6/2015</a:t>
             </a:fld>
             <a:endParaRPr lang="en-US" dirty="0"/>
           </a:p>
@@ -2894,7 +2894,7 @@
             <a:fld id="{2E6CE7CD-F68D-CB4F-B04D-F08E5924DCF3}" type="datetime1">
               <a:rPr lang="en-US" smtClean="0"/>
               <a:pPr/>
-              <a:t>12/6/15</a:t>
+              <a:t>12/6/2015</a:t>
             </a:fld>
             <a:endParaRPr lang="en-US" dirty="0"/>
           </a:p>
@@ -3286,7 +3286,7 @@
             <a:fld id="{2E6CE7CD-F68D-CB4F-B04D-F08E5924DCF3}" type="datetime1">
               <a:rPr lang="en-US" smtClean="0"/>
               <a:pPr/>
-              <a:t>12/6/15</a:t>
+              <a:t>12/6/2015</a:t>
             </a:fld>
             <a:endParaRPr lang="en-US" dirty="0"/>
           </a:p>
@@ -3711,7 +3711,7 @@
             <a:fld id="{2E6CE7CD-F68D-CB4F-B04D-F08E5924DCF3}" type="datetime1">
               <a:rPr lang="en-US" smtClean="0"/>
               <a:pPr/>
-              <a:t>12/6/15</a:t>
+              <a:t>12/6/2015</a:t>
             </a:fld>
             <a:endParaRPr lang="en-US" dirty="0"/>
           </a:p>
@@ -4264,7 +4264,7 @@
             <a:fld id="{2E6CE7CD-F68D-CB4F-B04D-F08E5924DCF3}" type="datetime1">
               <a:rPr lang="en-US" smtClean="0"/>
               <a:pPr/>
-              <a:t>12/6/15</a:t>
+              <a:t>12/6/2015</a:t>
             </a:fld>
             <a:endParaRPr lang="en-US" dirty="0"/>
           </a:p>
@@ -4627,7 +4627,7 @@
             <a:fld id="{2E6CE7CD-F68D-CB4F-B04D-F08E5924DCF3}" type="datetime1">
               <a:rPr lang="en-US" smtClean="0"/>
               <a:pPr/>
-              <a:t>12/6/15</a:t>
+              <a:t>12/6/2015</a:t>
             </a:fld>
             <a:endParaRPr lang="en-US" dirty="0"/>
           </a:p>
@@ -4847,7 +4847,7 @@
             <a:fld id="{2E6CE7CD-F68D-CB4F-B04D-F08E5924DCF3}" type="datetime1">
               <a:rPr lang="en-US" smtClean="0"/>
               <a:pPr/>
-              <a:t>12/6/15</a:t>
+              <a:t>12/6/2015</a:t>
             </a:fld>
             <a:endParaRPr lang="en-US" dirty="0"/>
           </a:p>
@@ -5159,7 +5159,7 @@
             <a:fld id="{2E6CE7CD-F68D-CB4F-B04D-F08E5924DCF3}" type="datetime1">
               <a:rPr lang="en-US" smtClean="0"/>
               <a:pPr/>
-              <a:t>12/6/15</a:t>
+              <a:t>12/6/2015</a:t>
             </a:fld>
             <a:endParaRPr lang="en-US" dirty="0"/>
           </a:p>
@@ -5420,7 +5420,7 @@
             <a:fld id="{2E6CE7CD-F68D-CB4F-B04D-F08E5924DCF3}" type="datetime1">
               <a:rPr lang="en-US" smtClean="0"/>
               <a:pPr/>
-              <a:t>12/6/15</a:t>
+              <a:t>12/6/2015</a:t>
             </a:fld>
             <a:endParaRPr lang="en-US" dirty="0"/>
           </a:p>
@@ -6177,7 +6177,7 @@
             <a:fld id="{2E6CE7CD-F68D-CB4F-B04D-F08E5924DCF3}" type="datetime1">
               <a:rPr lang="en-US" smtClean="0"/>
               <a:pPr/>
-              <a:t>12/6/15</a:t>
+              <a:t>12/6/2015</a:t>
             </a:fld>
             <a:endParaRPr lang="en-US" dirty="0"/>
           </a:p>
@@ -6651,7 +6651,7 @@
             <a:fld id="{2E6CE7CD-F68D-CB4F-B04D-F08E5924DCF3}" type="datetime1">
               <a:rPr lang="en-US" smtClean="0"/>
               <a:pPr/>
-              <a:t>12/6/15</a:t>
+              <a:t>12/6/2015</a:t>
             </a:fld>
             <a:endParaRPr lang="en-US" dirty="0"/>
           </a:p>
@@ -7029,7 +7029,7 @@
             <a:fld id="{2E6CE7CD-F68D-CB4F-B04D-F08E5924DCF3}" type="datetime1">
               <a:rPr lang="en-US" smtClean="0"/>
               <a:pPr/>
-              <a:t>12/6/15</a:t>
+              <a:t>12/6/2015</a:t>
             </a:fld>
             <a:endParaRPr lang="en-US" dirty="0"/>
           </a:p>
@@ -7433,7 +7433,7 @@
             <a:fld id="{2E6CE7CD-F68D-CB4F-B04D-F08E5924DCF3}" type="datetime1">
               <a:rPr lang="en-US" smtClean="0"/>
               <a:pPr/>
-              <a:t>12/6/15</a:t>
+              <a:t>12/6/2015</a:t>
             </a:fld>
             <a:endParaRPr lang="en-US" dirty="0"/>
           </a:p>
@@ -7858,7 +7858,7 @@
             <a:fld id="{2E6CE7CD-F68D-CB4F-B04D-F08E5924DCF3}" type="datetime1">
               <a:rPr lang="en-US" smtClean="0"/>
               <a:pPr/>
-              <a:t>12/6/15</a:t>
+              <a:t>12/6/2015</a:t>
             </a:fld>
             <a:endParaRPr lang="en-US" dirty="0"/>
           </a:p>
@@ -8246,7 +8246,7 @@
             <a:fld id="{2E6CE7CD-F68D-CB4F-B04D-F08E5924DCF3}" type="datetime1">
               <a:rPr lang="en-US" smtClean="0"/>
               <a:pPr/>
-              <a:t>12/6/15</a:t>
+              <a:t>12/6/2015</a:t>
             </a:fld>
             <a:endParaRPr lang="en-US" dirty="0"/>
           </a:p>
@@ -8744,22 +8744,33 @@
           <a:bodyPr lIns="376202" tIns="188101" rIns="376202" bIns="188101" rtlCol="0" anchor="t"/>
           <a:lstStyle/>
           <a:p>
-            <a:r>
-              <a:rPr lang="en-US" sz="7000" b="1" u="sng" dirty="0" smtClean="0"/>
+            <a:pPr algn="ctr"/>
+            <a:r>
+              <a:rPr lang="en-US" sz="7000" dirty="0" smtClean="0"/>
               <a:t>Goal</a:t>
             </a:r>
-            <a:r>
-              <a:rPr lang="en-US" sz="4000" b="1" u="sng" dirty="0" smtClean="0"/>
-              <a:t> </a:t>
-            </a:r>
+          </a:p>
+          <a:p>
             <a:r>
               <a:rPr lang="en-US" sz="4000" dirty="0" smtClean="0"/>
-              <a:t>: From FMRI image predict out of two words which one was shown to the subject</a:t>
-            </a:r>
-          </a:p>
-          <a:p>
-            <a:r>
-              <a:rPr lang="en-US" sz="7000" b="1" dirty="0" smtClean="0"/>
+              <a:t> From an </a:t>
+            </a:r>
+            <a:r>
+              <a:rPr lang="en-US" sz="4000" dirty="0" smtClean="0"/>
+              <a:t>FMRI image predict </a:t>
+            </a:r>
+            <a:r>
+              <a:rPr lang="en-US" sz="4000" dirty="0" smtClean="0"/>
+              <a:t>which word which was shown to the subject</a:t>
+            </a:r>
+          </a:p>
+          <a:p>
+            <a:endParaRPr lang="en-US" sz="4000" dirty="0" smtClean="0"/>
+          </a:p>
+          <a:p>
+            <a:pPr algn="ctr"/>
+            <a:r>
+              <a:rPr lang="en-US" sz="7000" dirty="0" smtClean="0"/>
               <a:t>Data </a:t>
             </a:r>
           </a:p>
@@ -8780,7 +8791,15 @@
             </a:r>
             <a:r>
               <a:rPr lang="en-US" sz="4000" dirty="0" smtClean="0"/>
-              <a:t>. flies? animal?</a:t>
+              <a:t>. </a:t>
+            </a:r>
+            <a:r>
+              <a:rPr lang="en-US" sz="4000" dirty="0" smtClean="0"/>
+              <a:t>Does it fly? Is it an animal</a:t>
+            </a:r>
+            <a:r>
+              <a:rPr lang="en-US" sz="4000" dirty="0" smtClean="0"/>
+              <a:t>?</a:t>
             </a:r>
           </a:p>
           <a:p>
@@ -8801,58 +8820,82 @@
             </a:r>
           </a:p>
           <a:p>
-            <a:pPr algn="ctr"/>
-            <a:endParaRPr lang="en-US" sz="7000" dirty="0" smtClean="0"/>
-          </a:p>
-          <a:p>
+            <a:endParaRPr lang="en-US" sz="4000" dirty="0" smtClean="0"/>
+          </a:p>
+          <a:p>
+            <a:pPr marL="571500" indent="-571500">
+              <a:buFont typeface="Arial"/>
+              <a:buChar char="•"/>
+            </a:pPr>
             <a:r>
               <a:rPr lang="en-US" sz="4000" dirty="0" smtClean="0"/>
-              <a:t>Find weights that predict each semantic feature (y) from </a:t>
-            </a:r>
-            <a:r>
-              <a:rPr lang="en-US" sz="4000" dirty="0" err="1" smtClean="0"/>
-              <a:t>fmri</a:t>
-            </a:r>
+              <a:t>Train different ML models on 300 fMRI’s</a:t>
+            </a:r>
+          </a:p>
+          <a:p>
+            <a:pPr marL="571500" indent="-571500">
+              <a:buFont typeface="Arial"/>
+              <a:buChar char="•"/>
+            </a:pPr>
             <a:r>
               <a:rPr lang="en-US" sz="4000" dirty="0" smtClean="0"/>
-              <a:t> images (x) :</a:t>
-            </a:r>
-          </a:p>
-          <a:p>
-            <a:pPr marL="514350" indent="-514350">
-              <a:buAutoNum type="arabicParenR"/>
+              <a:t>Predict </a:t>
+            </a:r>
+            <a:r>
+              <a:rPr lang="en-US" sz="4000" dirty="0"/>
+              <a:t>semantic features </a:t>
+            </a:r>
+            <a:r>
+              <a:rPr lang="en-US" sz="4000" dirty="0" smtClean="0"/>
+              <a:t>ratings from fMRI image. </a:t>
+            </a:r>
+            <a:endParaRPr lang="en-US" sz="4000" dirty="0"/>
+          </a:p>
+          <a:p>
+            <a:pPr marL="571500" indent="-571500">
+              <a:buFont typeface="Arial"/>
+              <a:buChar char="•"/>
             </a:pPr>
             <a:r>
+              <a:rPr lang="en-US" sz="4000" dirty="0"/>
+              <a:t>Calculate </a:t>
+            </a:r>
+            <a:r>
               <a:rPr lang="en-US" sz="4000" dirty="0" smtClean="0"/>
-              <a:t>Lasso – 0.5 accuracy with different ways of choosing lambdas</a:t>
-            </a:r>
-          </a:p>
-          <a:p>
-            <a:pPr marL="514350" indent="-514350">
-              <a:buAutoNum type="arabicParenR"/>
+              <a:t>distance to prediction </a:t>
+            </a:r>
+            <a:r>
+              <a:rPr lang="en-US" sz="4000" dirty="0"/>
+              <a:t>from </a:t>
+            </a:r>
+            <a:r>
+              <a:rPr lang="en-US" sz="4000" dirty="0" smtClean="0"/>
+              <a:t>features of two </a:t>
+            </a:r>
+            <a:r>
+              <a:rPr lang="en-US" sz="4000" dirty="0"/>
+              <a:t>given </a:t>
+            </a:r>
+            <a:r>
+              <a:rPr lang="en-US" sz="4000" dirty="0" smtClean="0"/>
+              <a:t>words</a:t>
+            </a:r>
+            <a:endParaRPr lang="en-US" sz="4000" dirty="0"/>
+          </a:p>
+          <a:p>
+            <a:pPr marL="571500" indent="-571500">
+              <a:buFont typeface="Arial"/>
+              <a:buChar char="•"/>
             </a:pPr>
             <a:r>
+              <a:rPr lang="en-US" sz="4000" dirty="0"/>
+              <a:t>Choose word </a:t>
+            </a:r>
+            <a:r>
               <a:rPr lang="en-US" sz="4000" dirty="0" smtClean="0"/>
-              <a:t>PCA and </a:t>
-            </a:r>
-            <a:r>
-              <a:rPr lang="en-US" sz="4000" dirty="0" err="1" smtClean="0"/>
-              <a:t>Lasoo</a:t>
-            </a:r>
-            <a:r>
-              <a:rPr lang="en-US" sz="4000" dirty="0" smtClean="0"/>
-              <a:t>  - 0.7 accuracy</a:t>
-            </a:r>
-            <a:endParaRPr lang="en-US" sz="4000" dirty="0"/>
-          </a:p>
-          <a:p>
-            <a:pPr marL="514350" indent="-514350">
-              <a:buAutoNum type="arabicParenR"/>
-            </a:pPr>
-            <a:r>
-              <a:rPr lang="en-US" sz="4000" u="sng" dirty="0" smtClean="0"/>
-              <a:t>PCA and Least Squares – 0.8 accuracy</a:t>
-            </a:r>
+              <a:t>with smallest distance</a:t>
+            </a:r>
+            <a:endParaRPr lang="en-US" sz="4000" dirty="0" smtClean="0"/>
           </a:p>
           <a:p>
             <a:pPr marL="1143000" indent="-1143000" algn="ctr">
@@ -8865,50 +8908,82 @@
             <a:pPr algn="ctr"/>
             <a:r>
               <a:rPr lang="en-US" sz="7000" dirty="0" smtClean="0"/>
-              <a:t>Results : Accuracy</a:t>
+              <a:t>Results: </a:t>
+            </a:r>
+            <a:r>
+              <a:rPr lang="en-US" sz="7000" dirty="0" smtClean="0"/>
+              <a:t>Accuracy</a:t>
             </a:r>
           </a:p>
           <a:p>
             <a:pPr algn="ctr"/>
-            <a:endParaRPr lang="en-US" sz="7000" dirty="0"/>
+            <a:endParaRPr lang="en-US" sz="4000" dirty="0"/>
+          </a:p>
+          <a:p>
+            <a:pPr marL="514350" indent="-514350">
+              <a:buAutoNum type="arabicParenR"/>
+            </a:pPr>
+            <a:r>
+              <a:rPr lang="en-US" sz="4000" dirty="0" smtClean="0"/>
+              <a:t>Lasso </a:t>
+            </a:r>
+            <a:r>
+              <a:rPr lang="en-US" sz="4000" dirty="0"/>
+              <a:t>– 50% accuracy </a:t>
+            </a:r>
+            <a:r>
+              <a:rPr lang="en-US" sz="4000" dirty="0" smtClean="0"/>
+              <a:t>regardless of how regularization chosen</a:t>
+            </a:r>
+          </a:p>
+          <a:p>
+            <a:pPr marL="514350" indent="-514350">
+              <a:buAutoNum type="arabicParenR"/>
+            </a:pPr>
+            <a:r>
+              <a:rPr lang="en-US" sz="4000" dirty="0" smtClean="0"/>
+              <a:t>PCA </a:t>
+            </a:r>
+            <a:r>
+              <a:rPr lang="en-US" sz="4000" dirty="0"/>
+              <a:t>and Lasso  - 70% accuracy</a:t>
+            </a:r>
+          </a:p>
+          <a:p>
+            <a:pPr marL="514350" indent="-514350">
+              <a:buAutoNum type="arabicParenR"/>
+            </a:pPr>
+            <a:r>
+              <a:rPr lang="en-US" sz="4000" dirty="0"/>
+              <a:t>PCA and Least Squares – 80% </a:t>
+            </a:r>
+            <a:r>
+              <a:rPr lang="en-US" sz="4000" dirty="0" smtClean="0"/>
+              <a:t>accuracy</a:t>
+            </a:r>
+          </a:p>
+          <a:p>
+            <a:pPr marL="571500" indent="-571500">
+              <a:buFont typeface="Arial" panose="020B0604020202020204" pitchFamily="34" charset="0"/>
+              <a:buChar char="•"/>
+            </a:pPr>
+            <a:r>
+              <a:rPr lang="en-US" sz="4000" dirty="0" smtClean="0"/>
+              <a:t>Same predictive power as ML model from research paper.</a:t>
+            </a:r>
+          </a:p>
+          <a:p>
+            <a:r>
+              <a:rPr lang="en-US" sz="4000" dirty="0" smtClean="0"/>
+              <a:t>    (Random cosines)</a:t>
+            </a:r>
+            <a:endParaRPr lang="en-US" sz="4000" dirty="0"/>
           </a:p>
           <a:p>
             <a:pPr marL="571500" indent="-571500">
               <a:buFont typeface="Arial"/>
               <a:buChar char="•"/>
             </a:pPr>
-            <a:r>
-              <a:rPr lang="en-US" sz="4000" dirty="0" smtClean="0"/>
-              <a:t>Predict semantic features from </a:t>
-            </a:r>
-            <a:r>
-              <a:rPr lang="en-US" sz="4000" dirty="0" err="1" smtClean="0"/>
-              <a:t>fmri</a:t>
-            </a:r>
-            <a:r>
-              <a:rPr lang="en-US" sz="4000" dirty="0" smtClean="0"/>
-              <a:t> image</a:t>
-            </a:r>
-          </a:p>
-          <a:p>
-            <a:pPr marL="571500" indent="-571500">
-              <a:buFont typeface="Arial"/>
-              <a:buChar char="•"/>
-            </a:pPr>
-            <a:r>
-              <a:rPr lang="en-US" sz="4000" dirty="0" smtClean="0"/>
-              <a:t>Calculate distance from two given words</a:t>
-            </a:r>
-          </a:p>
-          <a:p>
-            <a:pPr marL="571500" indent="-571500">
-              <a:buFont typeface="Arial"/>
-              <a:buChar char="•"/>
-            </a:pPr>
-            <a:r>
-              <a:rPr lang="en-US" sz="4000" dirty="0" smtClean="0"/>
-              <a:t>Choose word with least distance</a:t>
-            </a:r>
             <a:endParaRPr lang="en-US" sz="4000" dirty="0"/>
           </a:p>
           <a:p>
@@ -8935,8 +9010,8 @@
         </p:nvSpPr>
         <p:spPr>
           <a:xfrm>
-            <a:off x="2438400" y="838201"/>
-            <a:ext cx="30784800" cy="2819400"/>
+            <a:off x="1371600" y="838201"/>
+            <a:ext cx="33451800" cy="2819400"/>
           </a:xfrm>
           <a:prstGeom prst="rect">
             <a:avLst/>
@@ -9219,9 +9294,37 @@
             <a:pPr algn="ctr"/>
             <a:r>
               <a:rPr lang="en-US" dirty="0" smtClean="0"/>
-              <a:t>PCA dimensions</a:t>
-            </a:r>
-            <a:endParaRPr dirty="0"/>
+              <a:t>PCA </a:t>
+            </a:r>
+            <a:r>
+              <a:rPr lang="en-US" dirty="0" smtClean="0"/>
+              <a:t>dimensions</a:t>
+            </a:r>
+          </a:p>
+          <a:p>
+            <a:pPr algn="ctr"/>
+            <a:endParaRPr lang="en-US" sz="4000" dirty="0" smtClean="0"/>
+          </a:p>
+          <a:p>
+            <a:pPr marL="571500" indent="-571500">
+              <a:buFont typeface="Arial" panose="020B0604020202020204" pitchFamily="34" charset="0"/>
+              <a:buChar char="•"/>
+            </a:pPr>
+            <a:r>
+              <a:rPr lang="en-US" sz="4000" dirty="0" smtClean="0"/>
+              <a:t>Accuracy increases with PCA components- not overfitting</a:t>
+            </a:r>
+          </a:p>
+          <a:p>
+            <a:pPr marL="571500" indent="-571500">
+              <a:buFont typeface="Arial" panose="020B0604020202020204" pitchFamily="34" charset="0"/>
+              <a:buChar char="•"/>
+            </a:pPr>
+            <a:r>
+              <a:rPr lang="en-US" sz="4000" dirty="0" smtClean="0"/>
+              <a:t>Compare test RMSE vs accuracy</a:t>
+            </a:r>
+            <a:endParaRPr sz="4000" dirty="0"/>
           </a:p>
         </p:txBody>
       </p:sp>
@@ -9277,16 +9380,59 @@
             <a:endParaRPr lang="en-US" sz="7000" dirty="0"/>
           </a:p>
           <a:p>
+            <a:pPr marL="571500" indent="-571500">
+              <a:buFont typeface="Arial" panose="020B0604020202020204" pitchFamily="34" charset="0"/>
+              <a:buChar char="•"/>
+            </a:pPr>
             <a:r>
               <a:rPr lang="en-US" sz="4000" dirty="0" smtClean="0"/>
+              <a:t>Rank likelihood of words according to semantic distance</a:t>
+            </a:r>
+          </a:p>
+          <a:p>
+            <a:pPr marL="571500" indent="-571500">
+              <a:buFont typeface="Arial" panose="020B0604020202020204" pitchFamily="34" charset="0"/>
+              <a:buChar char="•"/>
+            </a:pPr>
+            <a:r>
+              <a:rPr lang="en-US" sz="4000" dirty="0"/>
               <a:t>Training data set : &lt;rank&gt; = 1</a:t>
             </a:r>
           </a:p>
           <a:p>
+            <a:pPr marL="571500" indent="-571500">
+              <a:buFont typeface="Arial" panose="020B0604020202020204" pitchFamily="34" charset="0"/>
+              <a:buChar char="•"/>
+            </a:pPr>
+            <a:r>
+              <a:rPr lang="en-US" sz="4000" dirty="0"/>
+              <a:t>Test data set : &lt;rank&gt;  = </a:t>
+            </a:r>
             <a:r>
               <a:rPr lang="en-US" sz="4000" dirty="0" smtClean="0"/>
-              <a:t>Test data set : &lt;rank&gt;  = 13</a:t>
-            </a:r>
+              <a:t>13 </a:t>
+            </a:r>
+          </a:p>
+          <a:p>
+            <a:pPr marL="571500" indent="-571500">
+              <a:buFont typeface="Arial" panose="020B0604020202020204" pitchFamily="34" charset="0"/>
+              <a:buChar char="•"/>
+            </a:pPr>
+            <a:r>
+              <a:rPr lang="en-US" sz="4000" dirty="0" smtClean="0"/>
+              <a:t>Consistent with error rate on 2-word prediction</a:t>
+            </a:r>
+            <a:endParaRPr lang="en-US" sz="4000" dirty="0"/>
+          </a:p>
+          <a:p>
+            <a:pPr marL="571500" indent="-571500">
+              <a:buFont typeface="Arial" panose="020B0604020202020204" pitchFamily="34" charset="0"/>
+              <a:buChar char="•"/>
+            </a:pPr>
+            <a:endParaRPr lang="en-US" sz="4000" dirty="0" smtClean="0"/>
+          </a:p>
+          <a:p>
+            <a:endParaRPr lang="en-US" sz="4000" dirty="0" smtClean="0"/>
           </a:p>
           <a:p>
             <a:r>
@@ -9370,8 +9516,9 @@
             <a:pPr algn="ctr"/>
             <a:r>
               <a:rPr lang="en-US" dirty="0" smtClean="0"/>
-              <a:t>Wrong words – why?</a:t>
-            </a:r>
+              <a:t>Bad Words</a:t>
+            </a:r>
+            <a:endParaRPr lang="en-US" dirty="0" smtClean="0"/>
           </a:p>
           <a:p>
             <a:endParaRPr lang="en-US" sz="8000" dirty="0"/>
@@ -9529,7 +9676,7 @@
         </p:blipFill>
         <p:spPr bwMode="auto">
           <a:xfrm>
-            <a:off x="25146000" y="6096000"/>
+            <a:off x="24917400" y="8232139"/>
             <a:ext cx="4724400" cy="3662680"/>
           </a:xfrm>
           <a:prstGeom prst="rect">
@@ -9562,7 +9709,7 @@
         </p:blipFill>
         <p:spPr bwMode="auto">
           <a:xfrm>
-            <a:off x="30022800" y="8305800"/>
+            <a:off x="29794200" y="11833860"/>
             <a:ext cx="4572000" cy="3967480"/>
           </a:xfrm>
           <a:prstGeom prst="rect">
@@ -9576,7 +9723,7 @@
       </p:pic>
       <p:pic>
         <p:nvPicPr>
-          <p:cNvPr id="10" name="Picture 9" descr="Macintosh HD:Users:Stella:PycharmProjects:cse546hmw1:fmri:rmse_train_test.png"/>
+          <p:cNvPr id="11" name="Picture 10" descr="Macintosh HD:Users:Stella:Desktop:pca variance.png"/>
           <p:cNvPicPr/>
           <p:nvPr/>
         </p:nvPicPr>
@@ -9595,8 +9742,8 @@
         </p:blipFill>
         <p:spPr bwMode="auto">
           <a:xfrm>
-            <a:off x="14401800" y="18288000"/>
-            <a:ext cx="5486400" cy="4119880"/>
+            <a:off x="24917400" y="11948160"/>
+            <a:ext cx="4572000" cy="3738880"/>
           </a:xfrm>
           <a:prstGeom prst="rect">
             <a:avLst/>
@@ -9609,8 +9756,10 @@
       </p:pic>
       <p:pic>
         <p:nvPicPr>
-          <p:cNvPr id="11" name="Picture 10" descr="Macintosh HD:Users:Stella:Desktop:pca variance.png"/>
-          <p:cNvPicPr/>
+          <p:cNvPr id="12" name="Picture 11"/>
+          <p:cNvPicPr>
+            <a:picLocks noChangeAspect="1"/>
+          </p:cNvPicPr>
           <p:nvPr/>
         </p:nvPicPr>
         <p:blipFill>
@@ -9621,23 +9770,72 @@
               </a:ext>
             </a:extLst>
           </a:blip>
-          <a:srcRect/>
           <a:stretch>
             <a:fillRect/>
           </a:stretch>
         </p:blipFill>
-        <p:spPr bwMode="auto">
-          <a:xfrm>
-            <a:off x="25222200" y="11506200"/>
-            <a:ext cx="4572000" cy="3738880"/>
+        <p:spPr>
+          <a:xfrm>
+            <a:off x="15430492" y="20421600"/>
+            <a:ext cx="7315215" cy="5486411"/>
           </a:xfrm>
           <a:prstGeom prst="rect">
             <a:avLst/>
           </a:prstGeom>
-          <a:noFill/>
-          <a:ln>
-            <a:noFill/>
-          </a:ln>
+        </p:spPr>
+      </p:pic>
+      <p:pic>
+        <p:nvPicPr>
+          <p:cNvPr id="13" name="Picture 12"/>
+          <p:cNvPicPr>
+            <a:picLocks noChangeAspect="1"/>
+          </p:cNvPicPr>
+          <p:nvPr/>
+        </p:nvPicPr>
+        <p:blipFill>
+          <a:blip r:embed="rId6">
+            <a:extLst>
+              <a:ext uri="{28A0092B-C50C-407E-A947-70E740481C1C}">
+                <a14:useLocalDpi xmlns:a14="http://schemas.microsoft.com/office/drawing/2010/main" val="0"/>
+              </a:ext>
+            </a:extLst>
+          </a:blip>
+          <a:stretch>
+            <a:fillRect/>
+          </a:stretch>
+        </p:blipFill>
+        <p:spPr>
+          <a:xfrm>
+            <a:off x="29794200" y="8229409"/>
+            <a:ext cx="4815840" cy="3581781"/>
+          </a:xfrm>
+          <a:prstGeom prst="rect">
+            <a:avLst/>
+          </a:prstGeom>
+        </p:spPr>
+      </p:pic>
+      <p:pic>
+        <p:nvPicPr>
+          <p:cNvPr id="14" name="Picture 13"/>
+          <p:cNvPicPr>
+            <a:picLocks noChangeAspect="1"/>
+          </p:cNvPicPr>
+          <p:nvPr/>
+        </p:nvPicPr>
+        <p:blipFill>
+          <a:blip r:embed="rId7"/>
+          <a:stretch>
+            <a:fillRect/>
+          </a:stretch>
+        </p:blipFill>
+        <p:spPr>
+          <a:xfrm>
+            <a:off x="7848600" y="23619666"/>
+            <a:ext cx="3352800" cy="4056185"/>
+          </a:xfrm>
+          <a:prstGeom prst="rect">
+            <a:avLst/>
+          </a:prstGeom>
         </p:spPr>
       </p:pic>
     </p:spTree>
@@ -9653,7 +9851,7 @@
   <p:timing>
     <p:tnLst>
       <p:par>
-        <p:cTn xmlns:p14="http://schemas.microsoft.com/office/powerpoint/2010/main" id="1" dur="indefinite" restart="never" nodeType="tmRoot"/>
+        <p:cTn id="1" dur="indefinite" restart="never" nodeType="tmRoot"/>
       </p:par>
     </p:tnLst>
   </p:timing>

--- a/posterFMRI.pptx
+++ b/posterFMRI.pptx
@@ -139,7 +139,7 @@
   </p:defaultTextStyle>
   <p:extLst>
     <p:ext uri="{EFAFB233-063F-42B5-8137-9DF3F51BA10A}">
-      <p15:sldGuideLst xmlns:p15="http://schemas.microsoft.com/office/powerpoint/2012/main">
+      <p15:sldGuideLst xmlns:p15="http://schemas.microsoft.com/office/powerpoint/2012/main" xmlns="">
         <p15:guide id="1" orient="horz" pos="9216" userDrawn="1">
           <p15:clr>
             <a:srgbClr val="A4A3A4"/>
@@ -153,7 +153,7 @@
       </p15:sldGuideLst>
     </p:ext>
     <p:ext uri="{2D200454-40CA-4A62-9FC3-DE9A4176ACB9}">
-      <p15:notesGuideLst xmlns:p15="http://schemas.microsoft.com/office/powerpoint/2012/main"/>
+      <p15:notesGuideLst xmlns:p15="http://schemas.microsoft.com/office/powerpoint/2012/main" xmlns=""/>
     </p:ext>
   </p:extLst>
 </p:presentation>
@@ -253,7 +253,7 @@
             <a:fld id="{B4862F1A-3685-B948-98E7-08823BA71FE2}" type="datetime1">
               <a:rPr lang="el-GR"/>
               <a:pPr/>
-              <a:t>6/12/2015</a:t>
+              <a:t>12/6/15</a:t>
             </a:fld>
             <a:endParaRPr lang="el-GR"/>
           </a:p>
@@ -771,7 +771,7 @@
             <a:fld id="{2E6CE7CD-F68D-CB4F-B04D-F08E5924DCF3}" type="datetime1">
               <a:rPr lang="en-US" smtClean="0"/>
               <a:pPr/>
-              <a:t>12/6/2015</a:t>
+              <a:t>12/6/15</a:t>
             </a:fld>
             <a:endParaRPr lang="en-US" dirty="0"/>
           </a:p>
@@ -1229,7 +1229,7 @@
             <a:fld id="{2E6CE7CD-F68D-CB4F-B04D-F08E5924DCF3}" type="datetime1">
               <a:rPr lang="en-US" smtClean="0"/>
               <a:pPr/>
-              <a:t>12/6/2015</a:t>
+              <a:t>12/6/15</a:t>
             </a:fld>
             <a:endParaRPr lang="en-US" dirty="0"/>
           </a:p>
@@ -1777,7 +1777,7 @@
             <a:fld id="{2E6CE7CD-F68D-CB4F-B04D-F08E5924DCF3}" type="datetime1">
               <a:rPr lang="en-US" smtClean="0"/>
               <a:pPr/>
-              <a:t>12/6/2015</a:t>
+              <a:t>12/6/15</a:t>
             </a:fld>
             <a:endParaRPr lang="en-US" dirty="0"/>
           </a:p>
@@ -1856,52 +1856,6 @@
       </p:grpSpPr>
       <p:sp>
         <p:nvSpPr>
-          <p:cNvPr id="5" name="Rectangle 4"/>
-          <p:cNvSpPr/>
-          <p:nvPr/>
-        </p:nvSpPr>
-        <p:spPr>
-          <a:xfrm>
-            <a:off x="32667388" y="1205647"/>
-            <a:ext cx="2743200" cy="1289459"/>
-          </a:xfrm>
-          <a:prstGeom prst="rect">
-            <a:avLst/>
-          </a:prstGeom>
-          <a:solidFill>
-            <a:schemeClr val="accent1"/>
-          </a:solidFill>
-          <a:ln>
-            <a:noFill/>
-          </a:ln>
-        </p:spPr>
-        <p:style>
-          <a:lnRef idx="2">
-            <a:schemeClr val="accent1">
-              <a:shade val="50000"/>
-            </a:schemeClr>
-          </a:lnRef>
-          <a:fillRef idx="1">
-            <a:schemeClr val="accent1"/>
-          </a:fillRef>
-          <a:effectRef idx="0">
-            <a:schemeClr val="accent1"/>
-          </a:effectRef>
-          <a:fontRef idx="minor">
-            <a:schemeClr val="lt1"/>
-          </a:fontRef>
-        </p:style>
-        <p:txBody>
-          <a:bodyPr lIns="376202" tIns="188101" rIns="376202" bIns="188101" rtlCol="0" anchor="ctr"/>
-          <a:lstStyle/>
-          <a:p>
-            <a:pPr algn="ctr"/>
-            <a:endParaRPr/>
-          </a:p>
-        </p:txBody>
-      </p:sp>
-      <p:sp>
-        <p:nvSpPr>
           <p:cNvPr id="2" name="Date Placeholder 1"/>
           <p:cNvSpPr>
             <a:spLocks noGrp="1"/>
@@ -1918,7 +1872,7 @@
             <a:fld id="{2E6CE7CD-F68D-CB4F-B04D-F08E5924DCF3}" type="datetime1">
               <a:rPr lang="en-US" smtClean="0"/>
               <a:pPr/>
-              <a:t>12/6/2015</a:t>
+              <a:t>12/6/15</a:t>
             </a:fld>
             <a:endParaRPr lang="en-US" dirty="0"/>
           </a:p>
@@ -2261,7 +2215,7 @@
             <a:fld id="{2E6CE7CD-F68D-CB4F-B04D-F08E5924DCF3}" type="datetime1">
               <a:rPr lang="en-US" smtClean="0"/>
               <a:pPr/>
-              <a:t>12/6/2015</a:t>
+              <a:t>12/6/15</a:t>
             </a:fld>
             <a:endParaRPr lang="en-US" dirty="0"/>
           </a:p>
@@ -2591,7 +2545,7 @@
             <a:fld id="{2E6CE7CD-F68D-CB4F-B04D-F08E5924DCF3}" type="datetime1">
               <a:rPr lang="en-US" smtClean="0"/>
               <a:pPr/>
-              <a:t>12/6/2015</a:t>
+              <a:t>12/6/15</a:t>
             </a:fld>
             <a:endParaRPr lang="en-US" dirty="0"/>
           </a:p>
@@ -2894,7 +2848,7 @@
             <a:fld id="{2E6CE7CD-F68D-CB4F-B04D-F08E5924DCF3}" type="datetime1">
               <a:rPr lang="en-US" smtClean="0"/>
               <a:pPr/>
-              <a:t>12/6/2015</a:t>
+              <a:t>12/6/15</a:t>
             </a:fld>
             <a:endParaRPr lang="en-US" dirty="0"/>
           </a:p>
@@ -3286,7 +3240,7 @@
             <a:fld id="{2E6CE7CD-F68D-CB4F-B04D-F08E5924DCF3}" type="datetime1">
               <a:rPr lang="en-US" smtClean="0"/>
               <a:pPr/>
-              <a:t>12/6/2015</a:t>
+              <a:t>12/6/15</a:t>
             </a:fld>
             <a:endParaRPr lang="en-US" dirty="0"/>
           </a:p>
@@ -3711,7 +3665,7 @@
             <a:fld id="{2E6CE7CD-F68D-CB4F-B04D-F08E5924DCF3}" type="datetime1">
               <a:rPr lang="en-US" smtClean="0"/>
               <a:pPr/>
-              <a:t>12/6/2015</a:t>
+              <a:t>12/6/15</a:t>
             </a:fld>
             <a:endParaRPr lang="en-US" dirty="0"/>
           </a:p>
@@ -4264,7 +4218,7 @@
             <a:fld id="{2E6CE7CD-F68D-CB4F-B04D-F08E5924DCF3}" type="datetime1">
               <a:rPr lang="en-US" smtClean="0"/>
               <a:pPr/>
-              <a:t>12/6/2015</a:t>
+              <a:t>12/6/15</a:t>
             </a:fld>
             <a:endParaRPr lang="en-US" dirty="0"/>
           </a:p>
@@ -4627,7 +4581,7 @@
             <a:fld id="{2E6CE7CD-F68D-CB4F-B04D-F08E5924DCF3}" type="datetime1">
               <a:rPr lang="en-US" smtClean="0"/>
               <a:pPr/>
-              <a:t>12/6/2015</a:t>
+              <a:t>12/6/15</a:t>
             </a:fld>
             <a:endParaRPr lang="en-US" dirty="0"/>
           </a:p>
@@ -4847,7 +4801,7 @@
             <a:fld id="{2E6CE7CD-F68D-CB4F-B04D-F08E5924DCF3}" type="datetime1">
               <a:rPr lang="en-US" smtClean="0"/>
               <a:pPr/>
-              <a:t>12/6/2015</a:t>
+              <a:t>12/6/15</a:t>
             </a:fld>
             <a:endParaRPr lang="en-US" dirty="0"/>
           </a:p>
@@ -5159,7 +5113,7 @@
             <a:fld id="{2E6CE7CD-F68D-CB4F-B04D-F08E5924DCF3}" type="datetime1">
               <a:rPr lang="en-US" smtClean="0"/>
               <a:pPr/>
-              <a:t>12/6/2015</a:t>
+              <a:t>12/6/15</a:t>
             </a:fld>
             <a:endParaRPr lang="en-US" dirty="0"/>
           </a:p>
@@ -5420,7 +5374,7 @@
             <a:fld id="{2E6CE7CD-F68D-CB4F-B04D-F08E5924DCF3}" type="datetime1">
               <a:rPr lang="en-US" smtClean="0"/>
               <a:pPr/>
-              <a:t>12/6/2015</a:t>
+              <a:t>12/6/15</a:t>
             </a:fld>
             <a:endParaRPr lang="en-US" dirty="0"/>
           </a:p>
@@ -6177,7 +6131,7 @@
             <a:fld id="{2E6CE7CD-F68D-CB4F-B04D-F08E5924DCF3}" type="datetime1">
               <a:rPr lang="en-US" smtClean="0"/>
               <a:pPr/>
-              <a:t>12/6/2015</a:t>
+              <a:t>12/6/15</a:t>
             </a:fld>
             <a:endParaRPr lang="en-US" dirty="0"/>
           </a:p>
@@ -6651,7 +6605,7 @@
             <a:fld id="{2E6CE7CD-F68D-CB4F-B04D-F08E5924DCF3}" type="datetime1">
               <a:rPr lang="en-US" smtClean="0"/>
               <a:pPr/>
-              <a:t>12/6/2015</a:t>
+              <a:t>12/6/15</a:t>
             </a:fld>
             <a:endParaRPr lang="en-US" dirty="0"/>
           </a:p>
@@ -7029,7 +6983,7 @@
             <a:fld id="{2E6CE7CD-F68D-CB4F-B04D-F08E5924DCF3}" type="datetime1">
               <a:rPr lang="en-US" smtClean="0"/>
               <a:pPr/>
-              <a:t>12/6/2015</a:t>
+              <a:t>12/6/15</a:t>
             </a:fld>
             <a:endParaRPr lang="en-US" dirty="0"/>
           </a:p>
@@ -7433,7 +7387,7 @@
             <a:fld id="{2E6CE7CD-F68D-CB4F-B04D-F08E5924DCF3}" type="datetime1">
               <a:rPr lang="en-US" smtClean="0"/>
               <a:pPr/>
-              <a:t>12/6/2015</a:t>
+              <a:t>12/6/15</a:t>
             </a:fld>
             <a:endParaRPr lang="en-US" dirty="0"/>
           </a:p>
@@ -7858,7 +7812,7 @@
             <a:fld id="{2E6CE7CD-F68D-CB4F-B04D-F08E5924DCF3}" type="datetime1">
               <a:rPr lang="en-US" smtClean="0"/>
               <a:pPr/>
-              <a:t>12/6/2015</a:t>
+              <a:t>12/6/15</a:t>
             </a:fld>
             <a:endParaRPr lang="en-US" dirty="0"/>
           </a:p>
@@ -8246,7 +8200,7 @@
             <a:fld id="{2E6CE7CD-F68D-CB4F-B04D-F08E5924DCF3}" type="datetime1">
               <a:rPr lang="en-US" smtClean="0"/>
               <a:pPr/>
-              <a:t>12/6/2015</a:t>
+              <a:t>12/6/15</a:t>
             </a:fld>
             <a:endParaRPr lang="en-US" dirty="0"/>
           </a:p>
@@ -8703,6 +8657,30 @@
           <a:chExt cx="0" cy="0"/>
         </a:xfrm>
       </p:grpSpPr>
+      <p:pic>
+        <p:nvPicPr>
+          <p:cNvPr id="28" name="Picture 27"/>
+          <p:cNvPicPr>
+            <a:picLocks noChangeAspect="1"/>
+          </p:cNvPicPr>
+          <p:nvPr/>
+        </p:nvPicPr>
+        <p:blipFill>
+          <a:blip r:embed="rId2"/>
+          <a:stretch>
+            <a:fillRect/>
+          </a:stretch>
+        </p:blipFill>
+        <p:spPr>
+          <a:xfrm>
+            <a:off x="29718000" y="1066800"/>
+            <a:ext cx="4898571" cy="2743200"/>
+          </a:xfrm>
+          <a:prstGeom prst="rect">
+            <a:avLst/>
+          </a:prstGeom>
+        </p:spPr>
+      </p:pic>
       <p:sp>
         <p:nvSpPr>
           <p:cNvPr id="2" name="Rectangle 1"/>
@@ -8752,16 +8730,12 @@
           </a:p>
           <a:p>
             <a:r>
-              <a:rPr lang="en-US" sz="4000" dirty="0" smtClean="0"/>
-              <a:t> From an </a:t>
-            </a:r>
-            <a:r>
-              <a:rPr lang="en-US" sz="4000" dirty="0" smtClean="0"/>
-              <a:t>FMRI image predict </a:t>
-            </a:r>
-            <a:r>
-              <a:rPr lang="en-US" sz="4000" dirty="0" smtClean="0"/>
-              <a:t>which word which was shown to the subject</a:t>
+              <a:rPr lang="en-US" sz="3000" dirty="0" smtClean="0"/>
+              <a:t>From </a:t>
+            </a:r>
+            <a:r>
+              <a:rPr lang="en-US" sz="3000" dirty="0" smtClean="0"/>
+              <a:t>an FMRI image predict which word which was shown to the subject</a:t>
             </a:r>
           </a:p>
           <a:p>
@@ -8773,39 +8747,100 @@
               <a:rPr lang="en-US" sz="7000" dirty="0" smtClean="0"/>
               <a:t>Data </a:t>
             </a:r>
-          </a:p>
-          <a:p>
-            <a:r>
-              <a:rPr lang="en-US" sz="4000" dirty="0" smtClean="0"/>
-              <a:t>60 Words </a:t>
-            </a:r>
-          </a:p>
-          <a:p>
-            <a:r>
-              <a:rPr lang="en-US" sz="4000" dirty="0" smtClean="0"/>
-              <a:t>218 Semantic features : rated 1-5 </a:t>
-            </a:r>
-            <a:r>
-              <a:rPr lang="en-US" sz="4000" dirty="0" err="1" smtClean="0"/>
-              <a:t>eg</a:t>
-            </a:r>
-            <a:r>
-              <a:rPr lang="en-US" sz="4000" dirty="0" smtClean="0"/>
-              <a:t>. </a:t>
-            </a:r>
-            <a:r>
-              <a:rPr lang="en-US" sz="4000" dirty="0" smtClean="0"/>
-              <a:t>Does it fly? Is it an animal</a:t>
-            </a:r>
-            <a:r>
-              <a:rPr lang="en-US" sz="4000" dirty="0" smtClean="0"/>
-              <a:t>?</a:t>
-            </a:r>
-          </a:p>
-          <a:p>
-            <a:r>
-              <a:rPr lang="en-US" sz="4000" dirty="0" smtClean="0"/>
-              <a:t>300 + 60 FMRI images : values of voxels (20,000)</a:t>
+            <a:endParaRPr lang="en-US" sz="7000" dirty="0" smtClean="0"/>
+          </a:p>
+          <a:p>
+            <a:pPr algn="ctr"/>
+            <a:endParaRPr lang="en-US" sz="3000" dirty="0" smtClean="0"/>
+          </a:p>
+          <a:p>
+            <a:r>
+              <a:rPr lang="en-US" sz="3000" b="1" dirty="0" smtClean="0"/>
+              <a:t>60 </a:t>
+            </a:r>
+            <a:r>
+              <a:rPr lang="en-US" sz="3000" b="1" dirty="0" smtClean="0"/>
+              <a:t>Words: </a:t>
+            </a:r>
+            <a:r>
+              <a:rPr lang="en-US" sz="3000" dirty="0" smtClean="0"/>
+              <a:t>nouns</a:t>
+            </a:r>
+          </a:p>
+          <a:p>
+            <a:endParaRPr lang="en-US" sz="3000" dirty="0" smtClean="0"/>
+          </a:p>
+          <a:p>
+            <a:r>
+              <a:rPr lang="en-US" sz="3000" b="1" dirty="0" smtClean="0"/>
+              <a:t>218 Semantic </a:t>
+            </a:r>
+            <a:r>
+              <a:rPr lang="en-US" sz="3000" b="1" dirty="0" smtClean="0"/>
+              <a:t>features: </a:t>
+            </a:r>
+          </a:p>
+          <a:p>
+            <a:r>
+              <a:rPr lang="en-US" sz="3000" dirty="0" smtClean="0"/>
+              <a:t>rated </a:t>
+            </a:r>
+            <a:r>
+              <a:rPr lang="en-US" sz="3000" dirty="0" smtClean="0"/>
+              <a:t>1-5 </a:t>
+            </a:r>
+            <a:r>
+              <a:rPr lang="en-US" sz="3000" dirty="0"/>
+              <a:t>(</a:t>
+            </a:r>
+            <a:r>
+              <a:rPr lang="en-US" sz="3000" dirty="0" smtClean="0"/>
+              <a:t> </a:t>
+            </a:r>
+            <a:r>
+              <a:rPr lang="en-US" sz="3000" dirty="0" smtClean="0"/>
+              <a:t>Does it fly? Is </a:t>
+            </a:r>
+            <a:r>
+              <a:rPr lang="en-US" sz="3000" dirty="0" smtClean="0"/>
+              <a:t>it</a:t>
+            </a:r>
+          </a:p>
+          <a:p>
+            <a:r>
+              <a:rPr lang="en-US" sz="3000" dirty="0" smtClean="0"/>
+              <a:t> </a:t>
+            </a:r>
+            <a:r>
+              <a:rPr lang="en-US" sz="3000" dirty="0" smtClean="0"/>
+              <a:t>an animal</a:t>
+            </a:r>
+            <a:r>
+              <a:rPr lang="en-US" sz="3000" dirty="0" smtClean="0"/>
+              <a:t>?)</a:t>
+            </a:r>
+          </a:p>
+          <a:p>
+            <a:endParaRPr lang="en-US" sz="3000" dirty="0" smtClean="0"/>
+          </a:p>
+          <a:p>
+            <a:r>
+              <a:rPr lang="en-US" sz="3000" b="1" dirty="0" smtClean="0"/>
+              <a:t>300 + 60 FMRI </a:t>
+            </a:r>
+            <a:r>
+              <a:rPr lang="en-US" sz="3000" b="1" dirty="0" smtClean="0"/>
+              <a:t>images:</a:t>
+            </a:r>
+          </a:p>
+          <a:p>
+            <a:r>
+              <a:rPr lang="en-US" sz="3000" dirty="0" smtClean="0"/>
+              <a:t> </a:t>
+            </a:r>
+            <a:r>
+              <a:rPr lang="en-US" sz="3000" dirty="0" smtClean="0"/>
+              <a:t>values of voxels (20,000)</a:t>
             </a:r>
           </a:p>
           <a:p>
@@ -8814,10 +8849,15 @@
           </a:p>
           <a:p>
             <a:pPr algn="ctr"/>
+            <a:endParaRPr lang="en-US" sz="7000" dirty="0" smtClean="0"/>
+          </a:p>
+          <a:p>
+            <a:pPr algn="ctr"/>
             <a:r>
               <a:rPr lang="en-US" sz="7000" dirty="0" smtClean="0"/>
               <a:t>Methods</a:t>
             </a:r>
+            <a:endParaRPr lang="en-US" sz="7000" dirty="0" smtClean="0"/>
           </a:p>
           <a:p>
             <a:endParaRPr lang="en-US" sz="4000" dirty="0" smtClean="0"/>
@@ -8828,7 +8868,7 @@
               <a:buChar char="•"/>
             </a:pPr>
             <a:r>
-              <a:rPr lang="en-US" sz="4000" dirty="0" smtClean="0"/>
+              <a:rPr lang="en-US" sz="3000" dirty="0" smtClean="0"/>
               <a:t>Train different ML models on 300 fMRI’s</a:t>
             </a:r>
           </a:p>
@@ -8838,18 +8878,18 @@
               <a:buChar char="•"/>
             </a:pPr>
             <a:r>
-              <a:rPr lang="en-US" sz="4000" dirty="0" smtClean="0"/>
+              <a:rPr lang="en-US" sz="3000" dirty="0" smtClean="0"/>
               <a:t>Predict </a:t>
             </a:r>
             <a:r>
-              <a:rPr lang="en-US" sz="4000" dirty="0"/>
+              <a:rPr lang="en-US" sz="3000" dirty="0"/>
               <a:t>semantic features </a:t>
             </a:r>
             <a:r>
-              <a:rPr lang="en-US" sz="4000" dirty="0" smtClean="0"/>
+              <a:rPr lang="en-US" sz="3000" dirty="0" smtClean="0"/>
               <a:t>ratings from fMRI image. </a:t>
             </a:r>
-            <a:endParaRPr lang="en-US" sz="4000" dirty="0"/>
+            <a:endParaRPr lang="en-US" sz="3000" dirty="0"/>
           </a:p>
           <a:p>
             <a:pPr marL="571500" indent="-571500">
@@ -8857,30 +8897,30 @@
               <a:buChar char="•"/>
             </a:pPr>
             <a:r>
-              <a:rPr lang="en-US" sz="4000" dirty="0"/>
+              <a:rPr lang="en-US" sz="3000" dirty="0"/>
               <a:t>Calculate </a:t>
             </a:r>
             <a:r>
-              <a:rPr lang="en-US" sz="4000" dirty="0" smtClean="0"/>
+              <a:rPr lang="en-US" sz="3000" dirty="0" smtClean="0"/>
               <a:t>distance to prediction </a:t>
             </a:r>
             <a:r>
-              <a:rPr lang="en-US" sz="4000" dirty="0"/>
+              <a:rPr lang="en-US" sz="3000" dirty="0"/>
               <a:t>from </a:t>
             </a:r>
             <a:r>
-              <a:rPr lang="en-US" sz="4000" dirty="0" smtClean="0"/>
+              <a:rPr lang="en-US" sz="3000" dirty="0" smtClean="0"/>
               <a:t>features of two </a:t>
             </a:r>
             <a:r>
-              <a:rPr lang="en-US" sz="4000" dirty="0"/>
+              <a:rPr lang="en-US" sz="3000" dirty="0"/>
               <a:t>given </a:t>
             </a:r>
             <a:r>
-              <a:rPr lang="en-US" sz="4000" dirty="0" smtClean="0"/>
+              <a:rPr lang="en-US" sz="3000" dirty="0" smtClean="0"/>
               <a:t>words</a:t>
             </a:r>
-            <a:endParaRPr lang="en-US" sz="4000" dirty="0"/>
+            <a:endParaRPr lang="en-US" sz="3000" dirty="0"/>
           </a:p>
           <a:p>
             <a:pPr marL="571500" indent="-571500">
@@ -8888,14 +8928,13 @@
               <a:buChar char="•"/>
             </a:pPr>
             <a:r>
-              <a:rPr lang="en-US" sz="4000" dirty="0"/>
+              <a:rPr lang="en-US" sz="3000" dirty="0"/>
               <a:t>Choose word </a:t>
             </a:r>
             <a:r>
-              <a:rPr lang="en-US" sz="4000" dirty="0" smtClean="0"/>
+              <a:rPr lang="en-US" sz="3000" dirty="0" smtClean="0"/>
               <a:t>with smallest distance</a:t>
             </a:r>
-            <a:endParaRPr lang="en-US" sz="4000" dirty="0" smtClean="0"/>
           </a:p>
           <a:p>
             <a:pPr marL="1143000" indent="-1143000" algn="ctr">
@@ -8910,10 +8949,19 @@
               <a:rPr lang="en-US" sz="7000" dirty="0" smtClean="0"/>
               <a:t>Results: </a:t>
             </a:r>
-            <a:r>
-              <a:rPr lang="en-US" sz="7000" dirty="0" smtClean="0"/>
-              <a:t>Accuracy</a:t>
-            </a:r>
+            <a:endParaRPr lang="en-US" sz="7000" dirty="0" smtClean="0"/>
+          </a:p>
+          <a:p>
+            <a:pPr algn="ctr"/>
+            <a:r>
+              <a:rPr lang="en-US" sz="5000" dirty="0"/>
+              <a:t>P</a:t>
+            </a:r>
+            <a:r>
+              <a:rPr lang="en-US" sz="5000" dirty="0" smtClean="0"/>
+              <a:t>redicting out of 2 words</a:t>
+            </a:r>
+            <a:endParaRPr lang="en-US" sz="5000" dirty="0" smtClean="0"/>
           </a:p>
           <a:p>
             <a:pPr algn="ctr"/>
@@ -8924,15 +8972,15 @@
               <a:buAutoNum type="arabicParenR"/>
             </a:pPr>
             <a:r>
-              <a:rPr lang="en-US" sz="4000" dirty="0" smtClean="0"/>
+              <a:rPr lang="en-US" sz="3000" dirty="0" smtClean="0"/>
               <a:t>Lasso </a:t>
             </a:r>
             <a:r>
-              <a:rPr lang="en-US" sz="4000" dirty="0"/>
+              <a:rPr lang="en-US" sz="3000" dirty="0"/>
               <a:t>– 50% accuracy </a:t>
             </a:r>
             <a:r>
-              <a:rPr lang="en-US" sz="4000" dirty="0" smtClean="0"/>
+              <a:rPr lang="en-US" sz="3000" dirty="0" smtClean="0"/>
               <a:t>regardless of how regularization chosen</a:t>
             </a:r>
           </a:p>
@@ -8941,11 +8989,11 @@
               <a:buAutoNum type="arabicParenR"/>
             </a:pPr>
             <a:r>
-              <a:rPr lang="en-US" sz="4000" dirty="0" smtClean="0"/>
+              <a:rPr lang="en-US" sz="3000" dirty="0" smtClean="0"/>
               <a:t>PCA </a:t>
             </a:r>
             <a:r>
-              <a:rPr lang="en-US" sz="4000" dirty="0"/>
+              <a:rPr lang="en-US" sz="3000" dirty="0"/>
               <a:t>and Lasso  - 70% accuracy</a:t>
             </a:r>
           </a:p>
@@ -8954,37 +9002,46 @@
               <a:buAutoNum type="arabicParenR"/>
             </a:pPr>
             <a:r>
-              <a:rPr lang="en-US" sz="4000" dirty="0"/>
+              <a:rPr lang="en-US" sz="3000" dirty="0"/>
               <a:t>PCA and Least Squares – 80% </a:t>
             </a:r>
             <a:r>
-              <a:rPr lang="en-US" sz="4000" dirty="0" smtClean="0"/>
+              <a:rPr lang="en-US" sz="3000" dirty="0" smtClean="0"/>
               <a:t>accuracy</a:t>
             </a:r>
           </a:p>
           <a:p>
-            <a:pPr marL="571500" indent="-571500">
-              <a:buFont typeface="Arial" panose="020B0604020202020204" pitchFamily="34" charset="0"/>
-              <a:buChar char="•"/>
-            </a:pPr>
-            <a:r>
-              <a:rPr lang="en-US" sz="4000" dirty="0" smtClean="0"/>
-              <a:t>Same predictive power as ML model from research paper.</a:t>
-            </a:r>
-          </a:p>
-          <a:p>
-            <a:r>
-              <a:rPr lang="en-US" sz="4000" dirty="0" smtClean="0"/>
-              <a:t>    (Random cosines)</a:t>
-            </a:r>
-            <a:endParaRPr lang="en-US" sz="4000" dirty="0"/>
-          </a:p>
-          <a:p>
-            <a:pPr marL="571500" indent="-571500">
-              <a:buFont typeface="Arial"/>
-              <a:buChar char="•"/>
-            </a:pPr>
-            <a:endParaRPr lang="en-US" sz="4000" dirty="0"/>
+            <a:endParaRPr lang="en-US" sz="3000" dirty="0" smtClean="0"/>
+          </a:p>
+          <a:p>
+            <a:r>
+              <a:rPr lang="en-US" sz="3000" dirty="0" smtClean="0"/>
+              <a:t>Same </a:t>
+            </a:r>
+            <a:r>
+              <a:rPr lang="en-US" sz="3000" dirty="0" smtClean="0"/>
+              <a:t>predictive power </a:t>
+            </a:r>
+            <a:r>
+              <a:rPr lang="en-US" sz="3000" dirty="0" smtClean="0"/>
+              <a:t>as random cosines </a:t>
+            </a:r>
+            <a:r>
+              <a:rPr lang="en-US" sz="3000" dirty="0" smtClean="0"/>
+              <a:t>ML </a:t>
+            </a:r>
+            <a:r>
+              <a:rPr lang="en-US" sz="3000" dirty="0" smtClean="0"/>
+              <a:t>model (Mitchel et al, 2008)</a:t>
+            </a:r>
+            <a:endParaRPr lang="en-US" sz="3000" dirty="0" smtClean="0"/>
+          </a:p>
+          <a:p>
+            <a:r>
+              <a:rPr lang="en-US" sz="3000" dirty="0" smtClean="0"/>
+              <a:t>    </a:t>
+            </a:r>
+            <a:endParaRPr lang="en-US" sz="3000" dirty="0"/>
           </a:p>
           <a:p>
             <a:pPr algn="ctr"/>
@@ -9011,7 +9068,7 @@
         <p:spPr>
           <a:xfrm>
             <a:off x="1371600" y="838201"/>
-            <a:ext cx="33451800" cy="2819400"/>
+            <a:ext cx="30251400" cy="2819400"/>
           </a:xfrm>
           <a:prstGeom prst="rect">
             <a:avLst/>
@@ -9232,21 +9289,29 @@
           </a:lstStyle>
           <a:p>
             <a:r>
-              <a:rPr lang="en-US" dirty="0" smtClean="0"/>
+              <a:rPr lang="en-US" sz="8500" dirty="0" smtClean="0"/>
               <a:t>Reading minds : predicting words from FMRI images</a:t>
             </a:r>
-            <a:endParaRPr lang="en-US" sz="9600" dirty="0"/>
-          </a:p>
-          <a:p>
-            <a:r>
-              <a:rPr lang="en-US" sz="7000" dirty="0"/>
-              <a:t>Stella Stylianidou Tomasz </a:t>
-            </a:r>
-            <a:r>
-              <a:rPr lang="en-US" sz="7000" dirty="0" err="1"/>
+            <a:endParaRPr lang="en-US" sz="8500" dirty="0"/>
+          </a:p>
+          <a:p>
+            <a:r>
+              <a:rPr lang="en-US" sz="6000" dirty="0" smtClean="0"/>
+              <a:t>Tomasz </a:t>
+            </a:r>
+            <a:r>
+              <a:rPr lang="en-US" sz="6000" dirty="0" err="1" smtClean="0"/>
               <a:t>Sakrejda</a:t>
             </a:r>
-            <a:endParaRPr lang="en-US" sz="7000" dirty="0"/>
+            <a:r>
+              <a:rPr lang="en-US" sz="6000" dirty="0"/>
+              <a:t> &amp; Stella </a:t>
+            </a:r>
+            <a:r>
+              <a:rPr lang="en-US" sz="6000" dirty="0" smtClean="0"/>
+              <a:t>Stylianidou</a:t>
+            </a:r>
+            <a:endParaRPr lang="en-US" sz="6000" dirty="0"/>
           </a:p>
         </p:txBody>
       </p:sp>
@@ -9294,11 +9359,7 @@
             <a:pPr algn="ctr"/>
             <a:r>
               <a:rPr lang="en-US" dirty="0" smtClean="0"/>
-              <a:t>PCA </a:t>
-            </a:r>
-            <a:r>
-              <a:rPr lang="en-US" dirty="0" smtClean="0"/>
-              <a:t>dimensions</a:t>
+              <a:t>PCA dimensions</a:t>
             </a:r>
           </a:p>
           <a:p>
@@ -9311,8 +9372,16 @@
               <a:buChar char="•"/>
             </a:pPr>
             <a:r>
-              <a:rPr lang="en-US" sz="4000" dirty="0" smtClean="0"/>
-              <a:t>Accuracy increases with PCA components- not overfitting</a:t>
+              <a:rPr lang="en-US" sz="3000" dirty="0" smtClean="0"/>
+              <a:t>Accuracy increases with PCA </a:t>
+            </a:r>
+            <a:r>
+              <a:rPr lang="en-US" sz="3000" dirty="0" smtClean="0"/>
+              <a:t>components - </a:t>
+            </a:r>
+            <a:r>
+              <a:rPr lang="en-US" sz="3000" dirty="0" smtClean="0"/>
+              <a:t>not overfitting</a:t>
             </a:r>
           </a:p>
           <a:p>
@@ -9321,10 +9390,10 @@
               <a:buChar char="•"/>
             </a:pPr>
             <a:r>
-              <a:rPr lang="en-US" sz="4000" dirty="0" smtClean="0"/>
+              <a:rPr lang="en-US" sz="3000" dirty="0" smtClean="0"/>
               <a:t>Compare test RMSE vs accuracy</a:t>
             </a:r>
-            <a:endParaRPr sz="4000" dirty="0"/>
+            <a:endParaRPr sz="3000" dirty="0"/>
           </a:p>
         </p:txBody>
       </p:sp>
@@ -9372,8 +9441,28 @@
             <a:pPr algn="ctr"/>
             <a:r>
               <a:rPr lang="en-US" sz="7000" dirty="0" smtClean="0"/>
-              <a:t>A step further.. Ranking of words</a:t>
-            </a:r>
+              <a:t>A step </a:t>
+            </a:r>
+            <a:r>
+              <a:rPr lang="en-US" sz="7000" dirty="0" smtClean="0"/>
+              <a:t>further: </a:t>
+            </a:r>
+          </a:p>
+          <a:p>
+            <a:pPr algn="ctr"/>
+            <a:r>
+              <a:rPr lang="en-US" sz="5000" dirty="0" smtClean="0"/>
+              <a:t>Ranking </a:t>
+            </a:r>
+            <a:r>
+              <a:rPr lang="en-US" sz="5000" dirty="0" smtClean="0"/>
+              <a:t>of </a:t>
+            </a:r>
+            <a:r>
+              <a:rPr lang="en-US" sz="5000" dirty="0" smtClean="0"/>
+              <a:t> all 60 words</a:t>
+            </a:r>
+            <a:endParaRPr lang="en-US" sz="5000" dirty="0" smtClean="0"/>
           </a:p>
           <a:p>
             <a:pPr algn="ctr"/>
@@ -9385,7 +9474,7 @@
               <a:buChar char="•"/>
             </a:pPr>
             <a:r>
-              <a:rPr lang="en-US" sz="4000" dirty="0" smtClean="0"/>
+              <a:rPr lang="en-US" sz="3000" dirty="0" smtClean="0"/>
               <a:t>Rank likelihood of words according to semantic distance</a:t>
             </a:r>
           </a:p>
@@ -9395,7 +9484,7 @@
               <a:buChar char="•"/>
             </a:pPr>
             <a:r>
-              <a:rPr lang="en-US" sz="4000" dirty="0"/>
+              <a:rPr lang="en-US" sz="3000" dirty="0"/>
               <a:t>Training data set : &lt;rank&gt; = 1</a:t>
             </a:r>
           </a:p>
@@ -9405,11 +9494,11 @@
               <a:buChar char="•"/>
             </a:pPr>
             <a:r>
-              <a:rPr lang="en-US" sz="4000" dirty="0"/>
+              <a:rPr lang="en-US" sz="3000" dirty="0"/>
               <a:t>Test data set : &lt;rank&gt;  = </a:t>
             </a:r>
             <a:r>
-              <a:rPr lang="en-US" sz="4000" dirty="0" smtClean="0"/>
+              <a:rPr lang="en-US" sz="3000" dirty="0" smtClean="0"/>
               <a:t>13 </a:t>
             </a:r>
           </a:p>
@@ -9419,10 +9508,10 @@
               <a:buChar char="•"/>
             </a:pPr>
             <a:r>
-              <a:rPr lang="en-US" sz="4000" dirty="0" smtClean="0"/>
+              <a:rPr lang="en-US" sz="3000" dirty="0" smtClean="0"/>
               <a:t>Consistent with error rate on 2-word prediction</a:t>
             </a:r>
-            <a:endParaRPr lang="en-US" sz="4000" dirty="0"/>
+            <a:endParaRPr lang="en-US" sz="3000" dirty="0"/>
           </a:p>
           <a:p>
             <a:pPr marL="571500" indent="-571500">
@@ -9433,12 +9522,6 @@
           </a:p>
           <a:p>
             <a:endParaRPr lang="en-US" sz="4000" dirty="0" smtClean="0"/>
-          </a:p>
-          <a:p>
-            <a:r>
-              <a:rPr lang="en-US" sz="4000" dirty="0" smtClean="0"/>
-              <a:t>Words with bad rank :</a:t>
-            </a:r>
           </a:p>
           <a:p>
             <a:pPr algn="ctr"/>
@@ -9516,84 +9599,56 @@
             <a:pPr algn="ctr"/>
             <a:r>
               <a:rPr lang="en-US" dirty="0" smtClean="0"/>
-              <a:t>Bad Words</a:t>
-            </a:r>
-            <a:endParaRPr lang="en-US" dirty="0" smtClean="0"/>
-          </a:p>
-          <a:p>
-            <a:endParaRPr lang="en-US" sz="8000" dirty="0"/>
-          </a:p>
-          <a:p>
-            <a:r>
-              <a:rPr lang="en-US" sz="2000" dirty="0"/>
-              <a:t>('bear', 'airplane'),</a:t>
-            </a:r>
-          </a:p>
-          <a:p>
-            <a:r>
-              <a:rPr lang="en-US" sz="2000" dirty="0"/>
-              <a:t>('cow', 'screwdriver'),</a:t>
-            </a:r>
-          </a:p>
-          <a:p>
-            <a:r>
-              <a:rPr lang="en-US" sz="2000" dirty="0"/>
-              <a:t>('arm', 'saw'),</a:t>
-            </a:r>
-          </a:p>
-          <a:p>
-            <a:r>
-              <a:rPr lang="en-US" sz="2000" dirty="0"/>
-              <a:t>('shirt', 'skirt'),</a:t>
-            </a:r>
-          </a:p>
-          <a:p>
-            <a:r>
-              <a:rPr lang="en-US" sz="2000" dirty="0"/>
-              <a:t>('bee', 'telephone'),</a:t>
-            </a:r>
-          </a:p>
-          <a:p>
-            <a:r>
-              <a:rPr lang="en-US" sz="2000" dirty="0"/>
-              <a:t>('butterfly', 'train'),</a:t>
-            </a:r>
-          </a:p>
-          <a:p>
-            <a:r>
-              <a:rPr lang="en-US" sz="2000" dirty="0"/>
-              <a:t>('bottle', 'door'),</a:t>
-            </a:r>
-          </a:p>
-          <a:p>
-            <a:r>
-              <a:rPr lang="en-US" sz="2000" dirty="0"/>
-              <a:t>('cup', 'chisel'),</a:t>
-            </a:r>
-          </a:p>
-          <a:p>
-            <a:r>
-              <a:rPr lang="en-US" sz="2000" dirty="0"/>
-              <a:t>('refrigerator', 'coat'),</a:t>
-            </a:r>
-          </a:p>
-          <a:p>
-            <a:r>
-              <a:rPr lang="en-US" sz="2000" dirty="0"/>
-              <a:t>('lettuce', 'car'),</a:t>
-            </a:r>
-          </a:p>
-          <a:p>
-            <a:r>
-              <a:rPr lang="en-US" sz="2000" dirty="0"/>
-              <a:t>('celery', 'screwdriver'),</a:t>
-            </a:r>
-          </a:p>
-          <a:p>
-            <a:r>
-              <a:rPr lang="en-US" sz="2000" dirty="0"/>
-              <a:t>('carrot', 'apartment')]</a:t>
-            </a:r>
+              <a:t>Mistakes</a:t>
+            </a:r>
+          </a:p>
+          <a:p>
+            <a:endParaRPr lang="en-US" sz="3000" dirty="0" smtClean="0"/>
+          </a:p>
+          <a:p>
+            <a:pPr marL="457200" indent="-457200">
+              <a:buFont typeface="Arial"/>
+              <a:buChar char="•"/>
+            </a:pPr>
+            <a:r>
+              <a:rPr lang="en-US" sz="3000" dirty="0" smtClean="0"/>
+              <a:t>Small difference between RMSE’s of correct and incorrect word</a:t>
+            </a:r>
+          </a:p>
+          <a:p>
+            <a:pPr marL="457200" indent="-457200">
+              <a:buFont typeface="Arial"/>
+              <a:buChar char="•"/>
+            </a:pPr>
+            <a:r>
+              <a:rPr lang="en-US" sz="3000" dirty="0" smtClean="0"/>
+              <a:t>N</a:t>
+            </a:r>
+            <a:r>
+              <a:rPr lang="en-US" sz="3000" smtClean="0"/>
+              <a:t>ot </a:t>
+            </a:r>
+            <a:r>
+              <a:rPr lang="en-US" sz="3000" dirty="0" smtClean="0"/>
+              <a:t>caused by particular semantic feature</a:t>
+            </a:r>
+          </a:p>
+          <a:p>
+            <a:pPr marL="457200" indent="-457200">
+              <a:buFont typeface="Arial"/>
+              <a:buChar char="•"/>
+            </a:pPr>
+            <a:r>
+              <a:rPr lang="en-US" sz="3000" dirty="0" smtClean="0"/>
+              <a:t>May be due to head movement (</a:t>
+            </a:r>
+            <a:r>
+              <a:rPr lang="en-US" sz="3000" dirty="0"/>
+              <a:t>Mitchel et al, 2008)</a:t>
+            </a:r>
+          </a:p>
+          <a:p>
+            <a:endParaRPr lang="en-US" sz="3000" dirty="0"/>
           </a:p>
           <a:p>
             <a:pPr algn="ctr"/>
@@ -9648,49 +9703,44 @@
           <a:p>
             <a:pPr algn="ctr"/>
             <a:r>
+              <a:rPr lang="en-US" dirty="0"/>
+              <a:t>Analysis of semantic </a:t>
+            </a:r>
+            <a:r>
               <a:rPr lang="en-US" dirty="0" smtClean="0"/>
-              <a:t>Semantic features</a:t>
-            </a:r>
-            <a:endParaRPr dirty="0"/>
+              <a:t>features</a:t>
+            </a:r>
+          </a:p>
+          <a:p>
+            <a:pPr algn="ctr"/>
+            <a:endParaRPr lang="en-US" sz="3000" dirty="0"/>
+          </a:p>
+          <a:p>
+            <a:pPr marL="457200" indent="-457200">
+              <a:buFont typeface="Arial"/>
+              <a:buChar char="•"/>
+            </a:pPr>
+            <a:r>
+              <a:rPr lang="en-US" sz="3000" dirty="0" smtClean="0"/>
+              <a:t>Increased accuracy with addition of semantic features</a:t>
+            </a:r>
+          </a:p>
+          <a:p>
+            <a:pPr marL="457200" indent="-457200">
+              <a:buFont typeface="Arial"/>
+              <a:buChar char="•"/>
+            </a:pPr>
+            <a:r>
+              <a:rPr lang="en-US" sz="3000" dirty="0" smtClean="0"/>
+              <a:t>Each semantic features shows similar values of RMSE in the test data.</a:t>
+            </a:r>
+            <a:endParaRPr sz="3000" dirty="0"/>
           </a:p>
         </p:txBody>
       </p:sp>
       <p:pic>
         <p:nvPicPr>
           <p:cNvPr id="8" name="Picture 7" descr="Macintosh HD:Users:Stella:PycharmProjects:cse546hmw1:fmri:accuracy_2of2.png"/>
-          <p:cNvPicPr/>
-          <p:nvPr/>
-        </p:nvPicPr>
-        <p:blipFill>
-          <a:blip r:embed="rId2">
-            <a:extLst>
-              <a:ext uri="{28A0092B-C50C-407E-A947-70E740481C1C}">
-                <a14:useLocalDpi xmlns:a14="http://schemas.microsoft.com/office/drawing/2010/main" val="0"/>
-              </a:ext>
-            </a:extLst>
-          </a:blip>
-          <a:srcRect/>
-          <a:stretch>
-            <a:fillRect/>
-          </a:stretch>
-        </p:blipFill>
-        <p:spPr bwMode="auto">
-          <a:xfrm>
-            <a:off x="24917400" y="8232139"/>
-            <a:ext cx="4724400" cy="3662680"/>
-          </a:xfrm>
-          <a:prstGeom prst="rect">
-            <a:avLst/>
-          </a:prstGeom>
-          <a:noFill/>
-          <a:ln>
-            <a:noFill/>
-          </a:ln>
-        </p:spPr>
-      </p:pic>
-      <p:pic>
-        <p:nvPicPr>
-          <p:cNvPr id="9" name="Picture 8" descr="Macintosh HD:Users:Stella:PycharmProjects:cse546hmw1:fmri:rmse_with_pca_dimensions.png"/>
           <p:cNvPicPr/>
           <p:nvPr/>
         </p:nvPicPr>
@@ -9709,8 +9759,8 @@
         </p:blipFill>
         <p:spPr bwMode="auto">
           <a:xfrm>
-            <a:off x="29794200" y="11833860"/>
-            <a:ext cx="4572000" cy="3967480"/>
+            <a:off x="30251400" y="11887200"/>
+            <a:ext cx="4191000" cy="3505200"/>
           </a:xfrm>
           <a:prstGeom prst="rect">
             <a:avLst/>
@@ -9723,7 +9773,7 @@
       </p:pic>
       <p:pic>
         <p:nvPicPr>
-          <p:cNvPr id="11" name="Picture 10" descr="Macintosh HD:Users:Stella:Desktop:pca variance.png"/>
+          <p:cNvPr id="9" name="Picture 8" descr="Macintosh HD:Users:Stella:PycharmProjects:cse546hmw1:fmri:rmse_with_pca_dimensions.png"/>
           <p:cNvPicPr/>
           <p:nvPr/>
         </p:nvPicPr>
@@ -9742,8 +9792,8 @@
         </p:blipFill>
         <p:spPr bwMode="auto">
           <a:xfrm>
-            <a:off x="24917400" y="11948160"/>
-            <a:ext cx="4572000" cy="3738880"/>
+            <a:off x="25374600" y="8382000"/>
+            <a:ext cx="4572000" cy="3733800"/>
           </a:xfrm>
           <a:prstGeom prst="rect">
             <a:avLst/>
@@ -9756,10 +9806,8 @@
       </p:pic>
       <p:pic>
         <p:nvPicPr>
-          <p:cNvPr id="12" name="Picture 11"/>
-          <p:cNvPicPr>
-            <a:picLocks noChangeAspect="1"/>
-          </p:cNvPicPr>
+          <p:cNvPr id="11" name="Picture 10" descr="Macintosh HD:Users:Stella:Desktop:pca variance.png"/>
+          <p:cNvPicPr/>
           <p:nvPr/>
         </p:nvPicPr>
         <p:blipFill>
@@ -9770,23 +9818,28 @@
               </a:ext>
             </a:extLst>
           </a:blip>
+          <a:srcRect/>
           <a:stretch>
             <a:fillRect/>
           </a:stretch>
         </p:blipFill>
-        <p:spPr>
-          <a:xfrm>
-            <a:off x="15430492" y="20421600"/>
-            <a:ext cx="7315215" cy="5486411"/>
+        <p:spPr bwMode="auto">
+          <a:xfrm>
+            <a:off x="31775400" y="13335000"/>
+            <a:ext cx="2057400" cy="1590040"/>
           </a:xfrm>
           <a:prstGeom prst="rect">
             <a:avLst/>
           </a:prstGeom>
+          <a:noFill/>
+          <a:ln>
+            <a:noFill/>
+          </a:ln>
         </p:spPr>
       </p:pic>
       <p:pic>
         <p:nvPicPr>
-          <p:cNvPr id="13" name="Picture 12"/>
+          <p:cNvPr id="12" name="Picture 11"/>
           <p:cNvPicPr>
             <a:picLocks noChangeAspect="1"/>
           </p:cNvPicPr>
@@ -9806,8 +9859,8 @@
         </p:blipFill>
         <p:spPr>
           <a:xfrm>
-            <a:off x="29794200" y="8229409"/>
-            <a:ext cx="4815840" cy="3581781"/>
+            <a:off x="15392400" y="21564589"/>
+            <a:ext cx="6908815" cy="5181611"/>
           </a:xfrm>
           <a:prstGeom prst="rect">
             <a:avLst/>
@@ -9830,7 +9883,7 @@
         </p:blipFill>
         <p:spPr>
           <a:xfrm>
-            <a:off x="7848600" y="23619666"/>
+            <a:off x="9144000" y="7924800"/>
             <a:ext cx="3352800" cy="4056185"/>
           </a:xfrm>
           <a:prstGeom prst="rect">
@@ -9838,6 +9891,1290 @@
           </a:prstGeom>
         </p:spPr>
       </p:pic>
+      <p:sp>
+        <p:nvSpPr>
+          <p:cNvPr id="15" name="TextBox 14"/>
+          <p:cNvSpPr txBox="1"/>
+          <p:nvPr/>
+        </p:nvSpPr>
+        <p:spPr>
+          <a:xfrm>
+            <a:off x="30632400" y="8763000"/>
+            <a:ext cx="3657600" cy="1938992"/>
+          </a:xfrm>
+          <a:prstGeom prst="rect">
+            <a:avLst/>
+          </a:prstGeom>
+          <a:noFill/>
+        </p:spPr>
+        <p:txBody>
+          <a:bodyPr vert="horz" wrap="square" rtlCol="0" anchor="t">
+            <a:spAutoFit/>
+          </a:bodyPr>
+          <a:lstStyle/>
+          <a:p>
+            <a:r>
+              <a:rPr lang="en-US" sz="2000" dirty="0" smtClean="0">
+                <a:solidFill>
+                  <a:schemeClr val="bg1"/>
+                </a:solidFill>
+                <a:latin typeface="Rockwell"/>
+                <a:cs typeface="Rockwell"/>
+              </a:rPr>
+              <a:t>Figure 3. The RMSE of the training data and test data decreases as we include more PCA dimensions, where as the RMSE of incorrect words increases. </a:t>
+            </a:r>
+            <a:endParaRPr lang="en-US" sz="2000" dirty="0">
+              <a:solidFill>
+                <a:schemeClr val="bg1"/>
+              </a:solidFill>
+              <a:latin typeface="Rockwell"/>
+              <a:cs typeface="Rockwell"/>
+            </a:endParaRPr>
+          </a:p>
+        </p:txBody>
+      </p:sp>
+      <p:sp>
+        <p:nvSpPr>
+          <p:cNvPr id="16" name="TextBox 15"/>
+          <p:cNvSpPr txBox="1"/>
+          <p:nvPr/>
+        </p:nvSpPr>
+        <p:spPr>
+          <a:xfrm>
+            <a:off x="25908000" y="12725400"/>
+            <a:ext cx="3657600" cy="1938992"/>
+          </a:xfrm>
+          <a:prstGeom prst="rect">
+            <a:avLst/>
+          </a:prstGeom>
+          <a:noFill/>
+        </p:spPr>
+        <p:txBody>
+          <a:bodyPr wrap="square" rtlCol="0">
+            <a:spAutoFit/>
+          </a:bodyPr>
+          <a:lstStyle/>
+          <a:p>
+            <a:r>
+              <a:rPr lang="en-US" sz="2000" dirty="0" smtClean="0">
+                <a:solidFill>
+                  <a:schemeClr val="bg1"/>
+                </a:solidFill>
+                <a:latin typeface="Rockwell"/>
+                <a:cs typeface="Rockwell"/>
+              </a:rPr>
+              <a:t>Figure 4. The accuracy of selecting the correct word out of two increases with more PCA dimensions, reaching a plateau at ~ 150. Insert shows variance of PCA dimensions.</a:t>
+            </a:r>
+            <a:endParaRPr lang="en-US" sz="2000" dirty="0">
+              <a:solidFill>
+                <a:schemeClr val="bg1"/>
+              </a:solidFill>
+              <a:latin typeface="Rockwell"/>
+              <a:cs typeface="Rockwell"/>
+            </a:endParaRPr>
+          </a:p>
+        </p:txBody>
+      </p:sp>
+      <p:sp>
+        <p:nvSpPr>
+          <p:cNvPr id="18" name="TextBox 17"/>
+          <p:cNvSpPr txBox="1"/>
+          <p:nvPr/>
+        </p:nvSpPr>
+        <p:spPr>
+          <a:xfrm>
+            <a:off x="15697200" y="26721137"/>
+            <a:ext cx="6400800" cy="1015663"/>
+          </a:xfrm>
+          <a:prstGeom prst="rect">
+            <a:avLst/>
+          </a:prstGeom>
+          <a:noFill/>
+        </p:spPr>
+        <p:txBody>
+          <a:bodyPr wrap="square" rtlCol="0">
+            <a:spAutoFit/>
+          </a:bodyPr>
+          <a:lstStyle/>
+          <a:p>
+            <a:r>
+              <a:rPr lang="en-US" sz="2000" dirty="0" smtClean="0">
+                <a:solidFill>
+                  <a:schemeClr val="bg1"/>
+                </a:solidFill>
+                <a:latin typeface="Rockwell"/>
+                <a:cs typeface="Rockwell"/>
+              </a:rPr>
+              <a:t>Figure 2. Each semantic feature versus the RMSE for the training and testing data, showing a similar range.</a:t>
+            </a:r>
+            <a:endParaRPr lang="en-US" sz="2000" dirty="0">
+              <a:solidFill>
+                <a:schemeClr val="bg1"/>
+              </a:solidFill>
+              <a:latin typeface="Rockwell"/>
+              <a:cs typeface="Rockwell"/>
+            </a:endParaRPr>
+          </a:p>
+        </p:txBody>
+      </p:sp>
+      <p:pic>
+        <p:nvPicPr>
+          <p:cNvPr id="19" name="Picture 18" descr="mistaken_word0.png"/>
+          <p:cNvPicPr>
+            <a:picLocks noChangeAspect="1"/>
+          </p:cNvPicPr>
+          <p:nvPr/>
+        </p:nvPicPr>
+        <p:blipFill>
+          <a:blip r:embed="rId8">
+            <a:extLst>
+              <a:ext uri="{28A0092B-C50C-407E-A947-70E740481C1C}">
+                <a14:useLocalDpi xmlns:a14="http://schemas.microsoft.com/office/drawing/2010/main" val="0"/>
+              </a:ext>
+            </a:extLst>
+          </a:blip>
+          <a:stretch>
+            <a:fillRect/>
+          </a:stretch>
+        </p:blipFill>
+        <p:spPr>
+          <a:xfrm>
+            <a:off x="29108400" y="22250400"/>
+            <a:ext cx="5036909" cy="3777682"/>
+          </a:xfrm>
+          <a:prstGeom prst="rect">
+            <a:avLst/>
+          </a:prstGeom>
+        </p:spPr>
+      </p:pic>
+      <p:graphicFrame>
+        <p:nvGraphicFramePr>
+          <p:cNvPr id="24" name="Table 23"/>
+          <p:cNvGraphicFramePr>
+            <a:graphicFrameLocks noGrp="1"/>
+          </p:cNvGraphicFramePr>
+          <p:nvPr>
+            <p:extLst>
+              <p:ext uri="{D42A27DB-BD31-4B8C-83A1-F6EECF244321}">
+                <p14:modId xmlns:p14="http://schemas.microsoft.com/office/powerpoint/2010/main" val="3372263770"/>
+              </p:ext>
+            </p:extLst>
+          </p:nvPr>
+        </p:nvGraphicFramePr>
+        <p:xfrm>
+          <a:off x="25450800" y="22326600"/>
+          <a:ext cx="3352800" cy="2281352"/>
+        </p:xfrm>
+        <a:graphic>
+          <a:graphicData uri="http://schemas.openxmlformats.org/drawingml/2006/table">
+            <a:tbl>
+              <a:tblPr firstRow="1" bandRow="1">
+                <a:tableStyleId>{5940675A-B579-460E-94D1-54222C63F5DA}</a:tableStyleId>
+              </a:tblPr>
+              <a:tblGrid>
+                <a:gridCol w="838200"/>
+                <a:gridCol w="838200"/>
+                <a:gridCol w="838200"/>
+                <a:gridCol w="838200"/>
+              </a:tblGrid>
+              <a:tr h="364855">
+                <a:tc>
+                  <a:txBody>
+                    <a:bodyPr/>
+                    <a:lstStyle/>
+                    <a:p>
+                      <a:pPr marL="0" marR="0">
+                        <a:spcBef>
+                          <a:spcPts val="0"/>
+                        </a:spcBef>
+                        <a:spcAft>
+                          <a:spcPts val="0"/>
+                        </a:spcAft>
+                      </a:pPr>
+                      <a:r>
+                        <a:rPr lang="en-US" sz="1200" dirty="0">
+                          <a:effectLst/>
+                        </a:rPr>
+                        <a:t>Correct Word</a:t>
+                      </a:r>
+                      <a:endParaRPr lang="en-US" sz="1200" dirty="0">
+                        <a:effectLst/>
+                        <a:latin typeface="Cambria"/>
+                        <a:ea typeface="ＭＳ 明朝"/>
+                        <a:cs typeface="Times New Roman"/>
+                      </a:endParaRPr>
+                    </a:p>
+                  </a:txBody>
+                  <a:tcPr marL="68580" marR="68580" marT="0" marB="0">
+                    <a:solidFill>
+                      <a:schemeClr val="bg1"/>
+                    </a:solidFill>
+                  </a:tcPr>
+                </a:tc>
+                <a:tc>
+                  <a:txBody>
+                    <a:bodyPr/>
+                    <a:lstStyle/>
+                    <a:p>
+                      <a:pPr marL="0" marR="0">
+                        <a:spcBef>
+                          <a:spcPts val="0"/>
+                        </a:spcBef>
+                        <a:spcAft>
+                          <a:spcPts val="0"/>
+                        </a:spcAft>
+                      </a:pPr>
+                      <a:r>
+                        <a:rPr lang="en-US" sz="1200">
+                          <a:effectLst/>
+                        </a:rPr>
+                        <a:t>RMSE</a:t>
+                      </a:r>
+                      <a:endParaRPr lang="en-US" sz="1200">
+                        <a:effectLst/>
+                        <a:latin typeface="Cambria"/>
+                        <a:ea typeface="ＭＳ 明朝"/>
+                        <a:cs typeface="Times New Roman"/>
+                      </a:endParaRPr>
+                    </a:p>
+                  </a:txBody>
+                  <a:tcPr marL="68580" marR="68580" marT="0" marB="0">
+                    <a:solidFill>
+                      <a:schemeClr val="bg1"/>
+                    </a:solidFill>
+                  </a:tcPr>
+                </a:tc>
+                <a:tc>
+                  <a:txBody>
+                    <a:bodyPr/>
+                    <a:lstStyle/>
+                    <a:p>
+                      <a:pPr marL="0" marR="0">
+                        <a:spcBef>
+                          <a:spcPts val="0"/>
+                        </a:spcBef>
+                        <a:spcAft>
+                          <a:spcPts val="0"/>
+                        </a:spcAft>
+                      </a:pPr>
+                      <a:r>
+                        <a:rPr lang="en-US" sz="1200">
+                          <a:effectLst/>
+                        </a:rPr>
+                        <a:t>Incorrect Word</a:t>
+                      </a:r>
+                      <a:endParaRPr lang="en-US" sz="1200">
+                        <a:effectLst/>
+                        <a:latin typeface="Cambria"/>
+                        <a:ea typeface="ＭＳ 明朝"/>
+                        <a:cs typeface="Times New Roman"/>
+                      </a:endParaRPr>
+                    </a:p>
+                  </a:txBody>
+                  <a:tcPr marL="68580" marR="68580" marT="0" marB="0">
+                    <a:solidFill>
+                      <a:schemeClr val="bg1"/>
+                    </a:solidFill>
+                  </a:tcPr>
+                </a:tc>
+                <a:tc>
+                  <a:txBody>
+                    <a:bodyPr/>
+                    <a:lstStyle/>
+                    <a:p>
+                      <a:pPr marL="0" marR="0">
+                        <a:spcBef>
+                          <a:spcPts val="0"/>
+                        </a:spcBef>
+                        <a:spcAft>
+                          <a:spcPts val="0"/>
+                        </a:spcAft>
+                      </a:pPr>
+                      <a:r>
+                        <a:rPr lang="en-US" sz="1200">
+                          <a:effectLst/>
+                        </a:rPr>
+                        <a:t>RMSE</a:t>
+                      </a:r>
+                      <a:endParaRPr lang="en-US" sz="1200">
+                        <a:effectLst/>
+                        <a:latin typeface="Cambria"/>
+                        <a:ea typeface="ＭＳ 明朝"/>
+                        <a:cs typeface="Times New Roman"/>
+                      </a:endParaRPr>
+                    </a:p>
+                  </a:txBody>
+                  <a:tcPr marL="68580" marR="68580" marT="0" marB="0">
+                    <a:solidFill>
+                      <a:schemeClr val="bg1"/>
+                    </a:solidFill>
+                  </a:tcPr>
+                </a:tc>
+              </a:tr>
+              <a:tr h="296018">
+                <a:tc>
+                  <a:txBody>
+                    <a:bodyPr/>
+                    <a:lstStyle/>
+                    <a:p>
+                      <a:pPr marL="0" marR="0">
+                        <a:spcBef>
+                          <a:spcPts val="0"/>
+                        </a:spcBef>
+                        <a:spcAft>
+                          <a:spcPts val="0"/>
+                        </a:spcAft>
+                      </a:pPr>
+                      <a:r>
+                        <a:rPr lang="en-US" sz="1200">
+                          <a:effectLst/>
+                        </a:rPr>
+                        <a:t>bear </a:t>
+                      </a:r>
+                      <a:endParaRPr lang="en-US" sz="1200">
+                        <a:effectLst/>
+                        <a:latin typeface="Cambria"/>
+                        <a:ea typeface="ＭＳ 明朝"/>
+                        <a:cs typeface="Times New Roman"/>
+                      </a:endParaRPr>
+                    </a:p>
+                  </a:txBody>
+                  <a:tcPr marL="68580" marR="68580" marT="0" marB="0">
+                    <a:solidFill>
+                      <a:schemeClr val="bg1"/>
+                    </a:solidFill>
+                  </a:tcPr>
+                </a:tc>
+                <a:tc>
+                  <a:txBody>
+                    <a:bodyPr/>
+                    <a:lstStyle/>
+                    <a:p>
+                      <a:pPr marL="0" marR="0">
+                        <a:spcBef>
+                          <a:spcPts val="0"/>
+                        </a:spcBef>
+                        <a:spcAft>
+                          <a:spcPts val="0"/>
+                        </a:spcAft>
+                      </a:pPr>
+                      <a:r>
+                        <a:rPr lang="en-US" sz="1200" dirty="0" smtClean="0">
+                          <a:effectLst/>
+                        </a:rPr>
+                        <a:t>0.9823</a:t>
+                      </a:r>
+                      <a:endParaRPr lang="en-US" sz="1200" dirty="0">
+                        <a:effectLst/>
+                        <a:latin typeface="Cambria"/>
+                        <a:ea typeface="ＭＳ 明朝"/>
+                        <a:cs typeface="Times New Roman"/>
+                      </a:endParaRPr>
+                    </a:p>
+                  </a:txBody>
+                  <a:tcPr marL="68580" marR="68580" marT="0" marB="0">
+                    <a:solidFill>
+                      <a:schemeClr val="bg1"/>
+                    </a:solidFill>
+                  </a:tcPr>
+                </a:tc>
+                <a:tc>
+                  <a:txBody>
+                    <a:bodyPr/>
+                    <a:lstStyle/>
+                    <a:p>
+                      <a:pPr marL="0" marR="0">
+                        <a:spcBef>
+                          <a:spcPts val="0"/>
+                        </a:spcBef>
+                        <a:spcAft>
+                          <a:spcPts val="0"/>
+                        </a:spcAft>
+                      </a:pPr>
+                      <a:r>
+                        <a:rPr lang="en-US" sz="1200" dirty="0">
+                          <a:effectLst/>
+                        </a:rPr>
+                        <a:t>airplane </a:t>
+                      </a:r>
+                      <a:endParaRPr lang="en-US" sz="1200" dirty="0">
+                        <a:effectLst/>
+                        <a:latin typeface="Cambria"/>
+                        <a:ea typeface="ＭＳ 明朝"/>
+                        <a:cs typeface="Times New Roman"/>
+                      </a:endParaRPr>
+                    </a:p>
+                  </a:txBody>
+                  <a:tcPr marL="68580" marR="68580" marT="0" marB="0">
+                    <a:solidFill>
+                      <a:schemeClr val="bg1"/>
+                    </a:solidFill>
+                  </a:tcPr>
+                </a:tc>
+                <a:tc>
+                  <a:txBody>
+                    <a:bodyPr/>
+                    <a:lstStyle/>
+                    <a:p>
+                      <a:pPr marL="0" marR="0">
+                        <a:spcBef>
+                          <a:spcPts val="0"/>
+                        </a:spcBef>
+                        <a:spcAft>
+                          <a:spcPts val="0"/>
+                        </a:spcAft>
+                      </a:pPr>
+                      <a:r>
+                        <a:rPr lang="en-US" sz="1200" dirty="0" smtClean="0">
+                          <a:effectLst/>
+                        </a:rPr>
+                        <a:t>0.9725</a:t>
+                      </a:r>
+                      <a:endParaRPr lang="en-US" sz="1200" dirty="0">
+                        <a:effectLst/>
+                        <a:latin typeface="Cambria"/>
+                        <a:ea typeface="ＭＳ 明朝"/>
+                        <a:cs typeface="Times New Roman"/>
+                      </a:endParaRPr>
+                    </a:p>
+                  </a:txBody>
+                  <a:tcPr marL="68580" marR="68580" marT="0" marB="0">
+                    <a:solidFill>
+                      <a:schemeClr val="bg1"/>
+                    </a:solidFill>
+                  </a:tcPr>
+                </a:tc>
+              </a:tr>
+              <a:tr h="364855">
+                <a:tc>
+                  <a:txBody>
+                    <a:bodyPr/>
+                    <a:lstStyle/>
+                    <a:p>
+                      <a:pPr marL="0" marR="0">
+                        <a:spcBef>
+                          <a:spcPts val="0"/>
+                        </a:spcBef>
+                        <a:spcAft>
+                          <a:spcPts val="0"/>
+                        </a:spcAft>
+                      </a:pPr>
+                      <a:r>
+                        <a:rPr lang="en-US" sz="1200">
+                          <a:effectLst/>
+                        </a:rPr>
+                        <a:t>cow</a:t>
+                      </a:r>
+                      <a:endParaRPr lang="en-US" sz="1200">
+                        <a:effectLst/>
+                        <a:latin typeface="Cambria"/>
+                        <a:ea typeface="ＭＳ 明朝"/>
+                        <a:cs typeface="Times New Roman"/>
+                      </a:endParaRPr>
+                    </a:p>
+                  </a:txBody>
+                  <a:tcPr marL="68580" marR="68580" marT="0" marB="0">
+                    <a:solidFill>
+                      <a:schemeClr val="bg1"/>
+                    </a:solidFill>
+                  </a:tcPr>
+                </a:tc>
+                <a:tc>
+                  <a:txBody>
+                    <a:bodyPr/>
+                    <a:lstStyle/>
+                    <a:p>
+                      <a:pPr marL="0" marR="0">
+                        <a:spcBef>
+                          <a:spcPts val="0"/>
+                        </a:spcBef>
+                        <a:spcAft>
+                          <a:spcPts val="0"/>
+                        </a:spcAft>
+                      </a:pPr>
+                      <a:r>
+                        <a:rPr lang="en-US" sz="1200" dirty="0" smtClean="0">
+                          <a:effectLst/>
+                        </a:rPr>
+                        <a:t>0.8577</a:t>
+                      </a:r>
+                      <a:endParaRPr lang="en-US" sz="1200" dirty="0">
+                        <a:effectLst/>
+                        <a:latin typeface="Cambria"/>
+                        <a:ea typeface="ＭＳ 明朝"/>
+                        <a:cs typeface="Times New Roman"/>
+                      </a:endParaRPr>
+                    </a:p>
+                  </a:txBody>
+                  <a:tcPr marL="68580" marR="68580" marT="0" marB="0">
+                    <a:solidFill>
+                      <a:schemeClr val="bg1"/>
+                    </a:solidFill>
+                  </a:tcPr>
+                </a:tc>
+                <a:tc>
+                  <a:txBody>
+                    <a:bodyPr/>
+                    <a:lstStyle/>
+                    <a:p>
+                      <a:pPr marL="0" marR="0">
+                        <a:spcBef>
+                          <a:spcPts val="0"/>
+                        </a:spcBef>
+                        <a:spcAft>
+                          <a:spcPts val="0"/>
+                        </a:spcAft>
+                      </a:pPr>
+                      <a:r>
+                        <a:rPr lang="en-US" sz="1200">
+                          <a:effectLst/>
+                        </a:rPr>
+                        <a:t>screwdriver</a:t>
+                      </a:r>
+                      <a:endParaRPr lang="en-US" sz="1200">
+                        <a:effectLst/>
+                        <a:latin typeface="Cambria"/>
+                        <a:ea typeface="ＭＳ 明朝"/>
+                        <a:cs typeface="Times New Roman"/>
+                      </a:endParaRPr>
+                    </a:p>
+                  </a:txBody>
+                  <a:tcPr marL="68580" marR="68580" marT="0" marB="0">
+                    <a:solidFill>
+                      <a:schemeClr val="bg1"/>
+                    </a:solidFill>
+                  </a:tcPr>
+                </a:tc>
+                <a:tc>
+                  <a:txBody>
+                    <a:bodyPr/>
+                    <a:lstStyle/>
+                    <a:p>
+                      <a:pPr marL="0" marR="0">
+                        <a:spcBef>
+                          <a:spcPts val="0"/>
+                        </a:spcBef>
+                        <a:spcAft>
+                          <a:spcPts val="0"/>
+                        </a:spcAft>
+                      </a:pPr>
+                      <a:r>
+                        <a:rPr lang="en-US" sz="1200" dirty="0" smtClean="0">
+                          <a:effectLst/>
+                        </a:rPr>
+                        <a:t>0.8206</a:t>
+                      </a:r>
+                      <a:endParaRPr lang="en-US" sz="1200" dirty="0">
+                        <a:effectLst/>
+                        <a:latin typeface="Cambria"/>
+                        <a:ea typeface="ＭＳ 明朝"/>
+                        <a:cs typeface="Times New Roman"/>
+                      </a:endParaRPr>
+                    </a:p>
+                  </a:txBody>
+                  <a:tcPr marL="68580" marR="68580" marT="0" marB="0">
+                    <a:solidFill>
+                      <a:schemeClr val="bg1"/>
+                    </a:solidFill>
+                  </a:tcPr>
+                </a:tc>
+              </a:tr>
+              <a:tr h="296018">
+                <a:tc>
+                  <a:txBody>
+                    <a:bodyPr/>
+                    <a:lstStyle/>
+                    <a:p>
+                      <a:pPr marL="0" marR="0">
+                        <a:spcBef>
+                          <a:spcPts val="0"/>
+                        </a:spcBef>
+                        <a:spcAft>
+                          <a:spcPts val="0"/>
+                        </a:spcAft>
+                      </a:pPr>
+                      <a:r>
+                        <a:rPr lang="en-US" sz="1200">
+                          <a:effectLst/>
+                        </a:rPr>
+                        <a:t>arm</a:t>
+                      </a:r>
+                      <a:endParaRPr lang="en-US" sz="1200">
+                        <a:effectLst/>
+                        <a:latin typeface="Cambria"/>
+                        <a:ea typeface="ＭＳ 明朝"/>
+                        <a:cs typeface="Times New Roman"/>
+                      </a:endParaRPr>
+                    </a:p>
+                  </a:txBody>
+                  <a:tcPr marL="68580" marR="68580" marT="0" marB="0">
+                    <a:solidFill>
+                      <a:schemeClr val="bg1"/>
+                    </a:solidFill>
+                  </a:tcPr>
+                </a:tc>
+                <a:tc>
+                  <a:txBody>
+                    <a:bodyPr/>
+                    <a:lstStyle/>
+                    <a:p>
+                      <a:pPr marL="0" marR="0">
+                        <a:spcBef>
+                          <a:spcPts val="0"/>
+                        </a:spcBef>
+                        <a:spcAft>
+                          <a:spcPts val="0"/>
+                        </a:spcAft>
+                      </a:pPr>
+                      <a:r>
+                        <a:rPr lang="en-US" sz="1200" dirty="0" smtClean="0">
+                          <a:effectLst/>
+                        </a:rPr>
+                        <a:t>0.7299</a:t>
+                      </a:r>
+                      <a:endParaRPr lang="en-US" sz="1200" dirty="0">
+                        <a:effectLst/>
+                        <a:latin typeface="Cambria"/>
+                        <a:ea typeface="ＭＳ 明朝"/>
+                        <a:cs typeface="Times New Roman"/>
+                      </a:endParaRPr>
+                    </a:p>
+                  </a:txBody>
+                  <a:tcPr marL="68580" marR="68580" marT="0" marB="0">
+                    <a:solidFill>
+                      <a:schemeClr val="bg1"/>
+                    </a:solidFill>
+                  </a:tcPr>
+                </a:tc>
+                <a:tc>
+                  <a:txBody>
+                    <a:bodyPr/>
+                    <a:lstStyle/>
+                    <a:p>
+                      <a:pPr marL="0" marR="0">
+                        <a:spcBef>
+                          <a:spcPts val="0"/>
+                        </a:spcBef>
+                        <a:spcAft>
+                          <a:spcPts val="0"/>
+                        </a:spcAft>
+                      </a:pPr>
+                      <a:r>
+                        <a:rPr lang="en-US" sz="1200">
+                          <a:effectLst/>
+                        </a:rPr>
+                        <a:t>saw</a:t>
+                      </a:r>
+                      <a:endParaRPr lang="en-US" sz="1200">
+                        <a:effectLst/>
+                        <a:latin typeface="Cambria"/>
+                        <a:ea typeface="ＭＳ 明朝"/>
+                        <a:cs typeface="Times New Roman"/>
+                      </a:endParaRPr>
+                    </a:p>
+                  </a:txBody>
+                  <a:tcPr marL="68580" marR="68580" marT="0" marB="0">
+                    <a:solidFill>
+                      <a:schemeClr val="bg1"/>
+                    </a:solidFill>
+                  </a:tcPr>
+                </a:tc>
+                <a:tc>
+                  <a:txBody>
+                    <a:bodyPr/>
+                    <a:lstStyle/>
+                    <a:p>
+                      <a:pPr marL="0" marR="0">
+                        <a:spcBef>
+                          <a:spcPts val="0"/>
+                        </a:spcBef>
+                        <a:spcAft>
+                          <a:spcPts val="0"/>
+                        </a:spcAft>
+                      </a:pPr>
+                      <a:r>
+                        <a:rPr lang="en-US" sz="1200" dirty="0" smtClean="0">
+                          <a:effectLst/>
+                        </a:rPr>
+                        <a:t>0.6092</a:t>
+                      </a:r>
+                      <a:endParaRPr lang="en-US" sz="1200" dirty="0">
+                        <a:effectLst/>
+                        <a:latin typeface="Cambria"/>
+                        <a:ea typeface="ＭＳ 明朝"/>
+                        <a:cs typeface="Times New Roman"/>
+                      </a:endParaRPr>
+                    </a:p>
+                  </a:txBody>
+                  <a:tcPr marL="68580" marR="68580" marT="0" marB="0">
+                    <a:solidFill>
+                      <a:schemeClr val="bg1"/>
+                    </a:solidFill>
+                  </a:tcPr>
+                </a:tc>
+              </a:tr>
+              <a:tr h="296018">
+                <a:tc>
+                  <a:txBody>
+                    <a:bodyPr/>
+                    <a:lstStyle/>
+                    <a:p>
+                      <a:pPr marL="0" marR="0">
+                        <a:spcBef>
+                          <a:spcPts val="0"/>
+                        </a:spcBef>
+                        <a:spcAft>
+                          <a:spcPts val="0"/>
+                        </a:spcAft>
+                      </a:pPr>
+                      <a:r>
+                        <a:rPr lang="en-US" sz="1200">
+                          <a:effectLst/>
+                        </a:rPr>
+                        <a:t>shirt</a:t>
+                      </a:r>
+                      <a:endParaRPr lang="en-US" sz="1200">
+                        <a:effectLst/>
+                        <a:latin typeface="Cambria"/>
+                        <a:ea typeface="ＭＳ 明朝"/>
+                        <a:cs typeface="Times New Roman"/>
+                      </a:endParaRPr>
+                    </a:p>
+                  </a:txBody>
+                  <a:tcPr marL="68580" marR="68580" marT="0" marB="0">
+                    <a:solidFill>
+                      <a:schemeClr val="bg1"/>
+                    </a:solidFill>
+                  </a:tcPr>
+                </a:tc>
+                <a:tc>
+                  <a:txBody>
+                    <a:bodyPr/>
+                    <a:lstStyle/>
+                    <a:p>
+                      <a:pPr marL="0" marR="0">
+                        <a:spcBef>
+                          <a:spcPts val="0"/>
+                        </a:spcBef>
+                        <a:spcAft>
+                          <a:spcPts val="0"/>
+                        </a:spcAft>
+                      </a:pPr>
+                      <a:r>
+                        <a:rPr lang="en-US" sz="1200" dirty="0" smtClean="0">
+                          <a:effectLst/>
+                        </a:rPr>
+                        <a:t>0.6587</a:t>
+                      </a:r>
+                      <a:endParaRPr lang="en-US" sz="1200" dirty="0">
+                        <a:effectLst/>
+                        <a:latin typeface="Cambria"/>
+                        <a:ea typeface="ＭＳ 明朝"/>
+                        <a:cs typeface="Times New Roman"/>
+                      </a:endParaRPr>
+                    </a:p>
+                  </a:txBody>
+                  <a:tcPr marL="68580" marR="68580" marT="0" marB="0">
+                    <a:solidFill>
+                      <a:schemeClr val="bg1"/>
+                    </a:solidFill>
+                  </a:tcPr>
+                </a:tc>
+                <a:tc>
+                  <a:txBody>
+                    <a:bodyPr/>
+                    <a:lstStyle/>
+                    <a:p>
+                      <a:pPr marL="0" marR="0">
+                        <a:spcBef>
+                          <a:spcPts val="0"/>
+                        </a:spcBef>
+                        <a:spcAft>
+                          <a:spcPts val="0"/>
+                        </a:spcAft>
+                      </a:pPr>
+                      <a:r>
+                        <a:rPr lang="en-US" sz="1200">
+                          <a:effectLst/>
+                        </a:rPr>
+                        <a:t>skirt</a:t>
+                      </a:r>
+                      <a:endParaRPr lang="en-US" sz="1200">
+                        <a:effectLst/>
+                        <a:latin typeface="Cambria"/>
+                        <a:ea typeface="ＭＳ 明朝"/>
+                        <a:cs typeface="Times New Roman"/>
+                      </a:endParaRPr>
+                    </a:p>
+                  </a:txBody>
+                  <a:tcPr marL="68580" marR="68580" marT="0" marB="0">
+                    <a:solidFill>
+                      <a:schemeClr val="bg1"/>
+                    </a:solidFill>
+                  </a:tcPr>
+                </a:tc>
+                <a:tc>
+                  <a:txBody>
+                    <a:bodyPr/>
+                    <a:lstStyle/>
+                    <a:p>
+                      <a:pPr marL="0" marR="0">
+                        <a:spcBef>
+                          <a:spcPts val="0"/>
+                        </a:spcBef>
+                        <a:spcAft>
+                          <a:spcPts val="0"/>
+                        </a:spcAft>
+                      </a:pPr>
+                      <a:r>
+                        <a:rPr lang="en-US" sz="1200" dirty="0" smtClean="0">
+                          <a:effectLst/>
+                        </a:rPr>
+                        <a:t>0.6502</a:t>
+                      </a:r>
+                      <a:endParaRPr lang="en-US" sz="1200" dirty="0">
+                        <a:effectLst/>
+                        <a:latin typeface="Cambria"/>
+                        <a:ea typeface="ＭＳ 明朝"/>
+                        <a:cs typeface="Times New Roman"/>
+                      </a:endParaRPr>
+                    </a:p>
+                  </a:txBody>
+                  <a:tcPr marL="68580" marR="68580" marT="0" marB="0">
+                    <a:solidFill>
+                      <a:schemeClr val="bg1"/>
+                    </a:solidFill>
+                  </a:tcPr>
+                </a:tc>
+              </a:tr>
+              <a:tr h="296018">
+                <a:tc>
+                  <a:txBody>
+                    <a:bodyPr/>
+                    <a:lstStyle/>
+                    <a:p>
+                      <a:pPr marL="0" marR="0">
+                        <a:spcBef>
+                          <a:spcPts val="0"/>
+                        </a:spcBef>
+                        <a:spcAft>
+                          <a:spcPts val="0"/>
+                        </a:spcAft>
+                      </a:pPr>
+                      <a:r>
+                        <a:rPr lang="en-US" sz="1200">
+                          <a:effectLst/>
+                        </a:rPr>
+                        <a:t>bee</a:t>
+                      </a:r>
+                      <a:endParaRPr lang="en-US" sz="1200">
+                        <a:effectLst/>
+                        <a:latin typeface="Cambria"/>
+                        <a:ea typeface="ＭＳ 明朝"/>
+                        <a:cs typeface="Times New Roman"/>
+                      </a:endParaRPr>
+                    </a:p>
+                  </a:txBody>
+                  <a:tcPr marL="68580" marR="68580" marT="0" marB="0">
+                    <a:solidFill>
+                      <a:schemeClr val="bg1"/>
+                    </a:solidFill>
+                  </a:tcPr>
+                </a:tc>
+                <a:tc>
+                  <a:txBody>
+                    <a:bodyPr/>
+                    <a:lstStyle/>
+                    <a:p>
+                      <a:pPr marL="0" marR="0">
+                        <a:spcBef>
+                          <a:spcPts val="0"/>
+                        </a:spcBef>
+                        <a:spcAft>
+                          <a:spcPts val="0"/>
+                        </a:spcAft>
+                      </a:pPr>
+                      <a:r>
+                        <a:rPr lang="en-US" sz="1200" dirty="0" smtClean="0">
+                          <a:effectLst/>
+                        </a:rPr>
+                        <a:t>0.9628</a:t>
+                      </a:r>
+                      <a:endParaRPr lang="en-US" sz="1200" dirty="0">
+                        <a:effectLst/>
+                        <a:latin typeface="Cambria"/>
+                        <a:ea typeface="ＭＳ 明朝"/>
+                        <a:cs typeface="Times New Roman"/>
+                      </a:endParaRPr>
+                    </a:p>
+                  </a:txBody>
+                  <a:tcPr marL="68580" marR="68580" marT="0" marB="0">
+                    <a:solidFill>
+                      <a:schemeClr val="bg1"/>
+                    </a:solidFill>
+                  </a:tcPr>
+                </a:tc>
+                <a:tc>
+                  <a:txBody>
+                    <a:bodyPr/>
+                    <a:lstStyle/>
+                    <a:p>
+                      <a:pPr marL="0" marR="0">
+                        <a:spcBef>
+                          <a:spcPts val="0"/>
+                        </a:spcBef>
+                        <a:spcAft>
+                          <a:spcPts val="0"/>
+                        </a:spcAft>
+                      </a:pPr>
+                      <a:r>
+                        <a:rPr lang="en-US" sz="1200">
+                          <a:effectLst/>
+                        </a:rPr>
+                        <a:t>telephone</a:t>
+                      </a:r>
+                      <a:endParaRPr lang="en-US" sz="1200">
+                        <a:effectLst/>
+                        <a:latin typeface="Cambria"/>
+                        <a:ea typeface="ＭＳ 明朝"/>
+                        <a:cs typeface="Times New Roman"/>
+                      </a:endParaRPr>
+                    </a:p>
+                  </a:txBody>
+                  <a:tcPr marL="68580" marR="68580" marT="0" marB="0">
+                    <a:solidFill>
+                      <a:schemeClr val="bg1"/>
+                    </a:solidFill>
+                  </a:tcPr>
+                </a:tc>
+                <a:tc>
+                  <a:txBody>
+                    <a:bodyPr/>
+                    <a:lstStyle/>
+                    <a:p>
+                      <a:pPr marL="0" marR="0">
+                        <a:spcBef>
+                          <a:spcPts val="0"/>
+                        </a:spcBef>
+                        <a:spcAft>
+                          <a:spcPts val="0"/>
+                        </a:spcAft>
+                      </a:pPr>
+                      <a:r>
+                        <a:rPr lang="en-US" sz="1200" dirty="0" smtClean="0">
+                          <a:effectLst/>
+                        </a:rPr>
+                        <a:t>0.7606</a:t>
+                      </a:r>
+                      <a:endParaRPr lang="en-US" sz="1200" dirty="0">
+                        <a:effectLst/>
+                        <a:latin typeface="Cambria"/>
+                        <a:ea typeface="ＭＳ 明朝"/>
+                        <a:cs typeface="Times New Roman"/>
+                      </a:endParaRPr>
+                    </a:p>
+                  </a:txBody>
+                  <a:tcPr marL="68580" marR="68580" marT="0" marB="0">
+                    <a:solidFill>
+                      <a:schemeClr val="bg1"/>
+                    </a:solidFill>
+                  </a:tcPr>
+                </a:tc>
+              </a:tr>
+              <a:tr h="296018">
+                <a:tc>
+                  <a:txBody>
+                    <a:bodyPr/>
+                    <a:lstStyle/>
+                    <a:p>
+                      <a:pPr marL="0" marR="0">
+                        <a:spcBef>
+                          <a:spcPts val="0"/>
+                        </a:spcBef>
+                        <a:spcAft>
+                          <a:spcPts val="0"/>
+                        </a:spcAft>
+                      </a:pPr>
+                      <a:r>
+                        <a:rPr lang="en-US" sz="1200">
+                          <a:effectLst/>
+                        </a:rPr>
+                        <a:t>butterfly</a:t>
+                      </a:r>
+                      <a:endParaRPr lang="en-US" sz="1200">
+                        <a:effectLst/>
+                        <a:latin typeface="Cambria"/>
+                        <a:ea typeface="ＭＳ 明朝"/>
+                        <a:cs typeface="Times New Roman"/>
+                      </a:endParaRPr>
+                    </a:p>
+                  </a:txBody>
+                  <a:tcPr marL="68580" marR="68580" marT="0" marB="0">
+                    <a:solidFill>
+                      <a:schemeClr val="bg1"/>
+                    </a:solidFill>
+                  </a:tcPr>
+                </a:tc>
+                <a:tc>
+                  <a:txBody>
+                    <a:bodyPr/>
+                    <a:lstStyle/>
+                    <a:p>
+                      <a:pPr marL="0" marR="0">
+                        <a:spcBef>
+                          <a:spcPts val="0"/>
+                        </a:spcBef>
+                        <a:spcAft>
+                          <a:spcPts val="0"/>
+                        </a:spcAft>
+                      </a:pPr>
+                      <a:r>
+                        <a:rPr lang="en-US" sz="1200" dirty="0" smtClean="0">
+                          <a:effectLst/>
+                        </a:rPr>
+                        <a:t>1.1005</a:t>
+                      </a:r>
+                      <a:endParaRPr lang="en-US" sz="1200" dirty="0">
+                        <a:effectLst/>
+                        <a:latin typeface="Cambria"/>
+                        <a:ea typeface="ＭＳ 明朝"/>
+                        <a:cs typeface="Times New Roman"/>
+                      </a:endParaRPr>
+                    </a:p>
+                  </a:txBody>
+                  <a:tcPr marL="68580" marR="68580" marT="0" marB="0">
+                    <a:solidFill>
+                      <a:schemeClr val="bg1"/>
+                    </a:solidFill>
+                  </a:tcPr>
+                </a:tc>
+                <a:tc>
+                  <a:txBody>
+                    <a:bodyPr/>
+                    <a:lstStyle/>
+                    <a:p>
+                      <a:pPr marL="0" marR="0">
+                        <a:spcBef>
+                          <a:spcPts val="0"/>
+                        </a:spcBef>
+                        <a:spcAft>
+                          <a:spcPts val="0"/>
+                        </a:spcAft>
+                      </a:pPr>
+                      <a:r>
+                        <a:rPr lang="en-US" sz="1200">
+                          <a:effectLst/>
+                        </a:rPr>
+                        <a:t>train</a:t>
+                      </a:r>
+                      <a:endParaRPr lang="en-US" sz="1200">
+                        <a:effectLst/>
+                        <a:latin typeface="Cambria"/>
+                        <a:ea typeface="ＭＳ 明朝"/>
+                        <a:cs typeface="Times New Roman"/>
+                      </a:endParaRPr>
+                    </a:p>
+                  </a:txBody>
+                  <a:tcPr marL="68580" marR="68580" marT="0" marB="0">
+                    <a:solidFill>
+                      <a:schemeClr val="bg1"/>
+                    </a:solidFill>
+                  </a:tcPr>
+                </a:tc>
+                <a:tc>
+                  <a:txBody>
+                    <a:bodyPr/>
+                    <a:lstStyle/>
+                    <a:p>
+                      <a:pPr marL="0" marR="0">
+                        <a:spcBef>
+                          <a:spcPts val="0"/>
+                        </a:spcBef>
+                        <a:spcAft>
+                          <a:spcPts val="0"/>
+                        </a:spcAft>
+                      </a:pPr>
+                      <a:r>
+                        <a:rPr lang="en-US" sz="1200" dirty="0" smtClean="0">
+                          <a:effectLst/>
+                        </a:rPr>
+                        <a:t>0.7247</a:t>
+                      </a:r>
+                      <a:endParaRPr lang="en-US" sz="1200" dirty="0">
+                        <a:effectLst/>
+                        <a:latin typeface="Cambria"/>
+                        <a:ea typeface="ＭＳ 明朝"/>
+                        <a:cs typeface="Times New Roman"/>
+                      </a:endParaRPr>
+                    </a:p>
+                  </a:txBody>
+                  <a:tcPr marL="68580" marR="68580" marT="0" marB="0">
+                    <a:solidFill>
+                      <a:schemeClr val="bg1"/>
+                    </a:solidFill>
+                  </a:tcPr>
+                </a:tc>
+              </a:tr>
+            </a:tbl>
+          </a:graphicData>
+        </a:graphic>
+      </p:graphicFrame>
+      <p:sp>
+        <p:nvSpPr>
+          <p:cNvPr id="25" name="TextBox 24"/>
+          <p:cNvSpPr txBox="1"/>
+          <p:nvPr/>
+        </p:nvSpPr>
+        <p:spPr>
+          <a:xfrm>
+            <a:off x="9144000" y="12039600"/>
+            <a:ext cx="3657600" cy="707886"/>
+          </a:xfrm>
+          <a:prstGeom prst="rect">
+            <a:avLst/>
+          </a:prstGeom>
+          <a:noFill/>
+        </p:spPr>
+        <p:txBody>
+          <a:bodyPr wrap="square" rtlCol="0">
+            <a:spAutoFit/>
+          </a:bodyPr>
+          <a:lstStyle/>
+          <a:p>
+            <a:r>
+              <a:rPr lang="en-US" sz="2000" dirty="0" smtClean="0">
+                <a:solidFill>
+                  <a:schemeClr val="bg1"/>
+                </a:solidFill>
+                <a:latin typeface="Rockwell"/>
+                <a:cs typeface="Rockwell"/>
+              </a:rPr>
+              <a:t>Figure 1. FMRI image (Mitchel et al, 2008)</a:t>
+            </a:r>
+            <a:endParaRPr lang="en-US" sz="2000" dirty="0">
+              <a:solidFill>
+                <a:schemeClr val="bg1"/>
+              </a:solidFill>
+              <a:latin typeface="Rockwell"/>
+              <a:cs typeface="Rockwell"/>
+            </a:endParaRPr>
+          </a:p>
+        </p:txBody>
+      </p:sp>
+      <p:sp>
+        <p:nvSpPr>
+          <p:cNvPr id="26" name="TextBox 25"/>
+          <p:cNvSpPr txBox="1"/>
+          <p:nvPr/>
+        </p:nvSpPr>
+        <p:spPr>
+          <a:xfrm>
+            <a:off x="25450800" y="24917400"/>
+            <a:ext cx="3429000" cy="1015663"/>
+          </a:xfrm>
+          <a:prstGeom prst="rect">
+            <a:avLst/>
+          </a:prstGeom>
+          <a:noFill/>
+        </p:spPr>
+        <p:txBody>
+          <a:bodyPr wrap="square" rtlCol="0">
+            <a:spAutoFit/>
+          </a:bodyPr>
+          <a:lstStyle/>
+          <a:p>
+            <a:r>
+              <a:rPr lang="en-US" sz="2000" dirty="0" smtClean="0">
+                <a:solidFill>
+                  <a:schemeClr val="bg1"/>
+                </a:solidFill>
+                <a:latin typeface="Rockwell"/>
+                <a:cs typeface="Rockwell"/>
+              </a:rPr>
+              <a:t>Table 1. Example of 5 incorrectly guessed words and their RMSE.</a:t>
+            </a:r>
+            <a:endParaRPr lang="en-US" sz="2000" dirty="0">
+              <a:solidFill>
+                <a:schemeClr val="bg1"/>
+              </a:solidFill>
+              <a:latin typeface="Rockwell"/>
+              <a:cs typeface="Rockwell"/>
+            </a:endParaRPr>
+          </a:p>
+        </p:txBody>
+      </p:sp>
+      <p:sp>
+        <p:nvSpPr>
+          <p:cNvPr id="27" name="TextBox 26"/>
+          <p:cNvSpPr txBox="1"/>
+          <p:nvPr/>
+        </p:nvSpPr>
+        <p:spPr>
+          <a:xfrm>
+            <a:off x="29108400" y="26212800"/>
+            <a:ext cx="5029200" cy="1015663"/>
+          </a:xfrm>
+          <a:prstGeom prst="rect">
+            <a:avLst/>
+          </a:prstGeom>
+          <a:noFill/>
+        </p:spPr>
+        <p:txBody>
+          <a:bodyPr wrap="square" rtlCol="0">
+            <a:spAutoFit/>
+          </a:bodyPr>
+          <a:lstStyle/>
+          <a:p>
+            <a:r>
+              <a:rPr lang="en-US" sz="2000" dirty="0" smtClean="0">
+                <a:solidFill>
+                  <a:schemeClr val="bg1"/>
+                </a:solidFill>
+                <a:latin typeface="Rockwell"/>
+                <a:cs typeface="Rockwell"/>
+              </a:rPr>
+              <a:t>Figure 5. RMSE of each semantic feature for the correct and incorrect word for one of the incorrectly guessed cases.</a:t>
+            </a:r>
+            <a:endParaRPr lang="en-US" sz="2000" dirty="0">
+              <a:solidFill>
+                <a:schemeClr val="bg1"/>
+              </a:solidFill>
+              <a:latin typeface="Rockwell"/>
+              <a:cs typeface="Rockwell"/>
+            </a:endParaRPr>
+          </a:p>
+        </p:txBody>
+      </p:sp>
+      <p:sp>
+        <p:nvSpPr>
+          <p:cNvPr id="29" name="TextBox 28"/>
+          <p:cNvSpPr txBox="1"/>
+          <p:nvPr/>
+        </p:nvSpPr>
+        <p:spPr>
+          <a:xfrm>
+            <a:off x="31623000" y="13639800"/>
+            <a:ext cx="338554" cy="781110"/>
+          </a:xfrm>
+          <a:prstGeom prst="rect">
+            <a:avLst/>
+          </a:prstGeom>
+          <a:noFill/>
+        </p:spPr>
+        <p:txBody>
+          <a:bodyPr vert="vert270" wrap="square" rtlCol="0">
+            <a:spAutoFit/>
+          </a:bodyPr>
+          <a:lstStyle/>
+          <a:p>
+            <a:r>
+              <a:rPr lang="en-US" sz="1000" dirty="0" smtClean="0"/>
+              <a:t>variance</a:t>
+            </a:r>
+            <a:endParaRPr lang="en-US" sz="1000" dirty="0"/>
+          </a:p>
+        </p:txBody>
+      </p:sp>
     </p:spTree>
     <p:extLst>
       <p:ext uri="{BB962C8B-B14F-4D97-AF65-F5344CB8AC3E}">
@@ -9851,7 +11188,7 @@
   <p:timing>
     <p:tnLst>
       <p:par>
-        <p:cTn id="1" dur="indefinite" restart="never" nodeType="tmRoot"/>
+        <p:cTn xmlns:p14="http://schemas.microsoft.com/office/powerpoint/2010/main" id="1" dur="indefinite" restart="never" nodeType="tmRoot"/>
       </p:par>
     </p:tnLst>
   </p:timing>
